--- a/CIS5560.pptx
+++ b/CIS5560.pptx
@@ -17670,7 +17670,7 @@
           <p:nvPr>
             <p:extLst>
               <p:ext uri="{D42A27DB-BD31-4B8C-83A1-F6EECF244321}">
-                <p14:modId xmlns:p14="http://schemas.microsoft.com/office/powerpoint/2010/main" val="3221997256"/>
+                <p14:modId xmlns:p14="http://schemas.microsoft.com/office/powerpoint/2010/main" val="4283925546"/>
               </p:ext>
             </p:extLst>
           </p:nvPr>
@@ -17709,7 +17709,11 @@
                     <a:p>
                       <a:pPr algn="ctr"/>
                       <a:r>
-                        <a:rPr lang="en-US" sz="2800" dirty="0"/>
+                        <a:rPr lang="en-US" sz="2800" b="0" dirty="0">
+                          <a:solidFill>
+                            <a:schemeClr val="tx1"/>
+                          </a:solidFill>
+                        </a:rPr>
                         <a:t>Paper_id</a:t>
                       </a:r>
                     </a:p>
@@ -17718,7 +17722,13 @@
                       <a:endParaRPr lang="en-US" dirty="0"/>
                     </a:p>
                   </a:txBody>
-                  <a:tcPr/>
+                  <a:tcPr>
+                    <a:solidFill>
+                      <a:schemeClr val="bg1">
+                        <a:lumMod val="65000"/>
+                      </a:schemeClr>
+                    </a:solidFill>
+                  </a:tcPr>
                 </a:tc>
                 <a:tc>
                   <a:txBody>
@@ -17727,12 +17737,22 @@
                     <a:p>
                       <a:pPr algn="ctr"/>
                       <a:r>
-                        <a:rPr lang="en-US" sz="2800" dirty="0"/>
+                        <a:rPr lang="en-US" sz="2800" b="0" dirty="0">
+                          <a:solidFill>
+                            <a:schemeClr val="tx1"/>
+                          </a:solidFill>
+                        </a:rPr>
                         <a:t>Abstract_summary</a:t>
                       </a:r>
                     </a:p>
                   </a:txBody>
-                  <a:tcPr/>
+                  <a:tcPr>
+                    <a:solidFill>
+                      <a:schemeClr val="bg1">
+                        <a:lumMod val="65000"/>
+                      </a:schemeClr>
+                    </a:solidFill>
+                  </a:tcPr>
                 </a:tc>
                 <a:extLst>
                   <a:ext uri="{0D108BD9-81ED-4DB2-BD59-A6C34878D82A}">
@@ -17753,7 +17773,13 @@
                       </a:r>
                     </a:p>
                   </a:txBody>
-                  <a:tcPr/>
+                  <a:tcPr>
+                    <a:solidFill>
+                      <a:schemeClr val="bg1">
+                        <a:lumMod val="65000"/>
+                      </a:schemeClr>
+                    </a:solidFill>
+                  </a:tcPr>
                 </a:tc>
                 <a:tc>
                   <a:txBody>
@@ -17767,7 +17793,13 @@
                       </a:r>
                     </a:p>
                   </a:txBody>
-                  <a:tcPr/>
+                  <a:tcPr>
+                    <a:solidFill>
+                      <a:schemeClr val="bg1">
+                        <a:lumMod val="65000"/>
+                      </a:schemeClr>
+                    </a:solidFill>
+                  </a:tcPr>
                 </a:tc>
                 <a:extLst>
                   <a:ext uri="{0D108BD9-81ED-4DB2-BD59-A6C34878D82A}">
@@ -17788,7 +17820,13 @@
                       </a:r>
                     </a:p>
                   </a:txBody>
-                  <a:tcPr/>
+                  <a:tcPr>
+                    <a:solidFill>
+                      <a:schemeClr val="bg1">
+                        <a:lumMod val="65000"/>
+                      </a:schemeClr>
+                    </a:solidFill>
+                  </a:tcPr>
                 </a:tc>
                 <a:tc>
                   <a:txBody>
@@ -17802,7 +17840,13 @@
                       </a:r>
                     </a:p>
                   </a:txBody>
-                  <a:tcPr/>
+                  <a:tcPr>
+                    <a:solidFill>
+                      <a:schemeClr val="bg1">
+                        <a:lumMod val="65000"/>
+                      </a:schemeClr>
+                    </a:solidFill>
+                  </a:tcPr>
                 </a:tc>
                 <a:extLst>
                   <a:ext uri="{0D108BD9-81ED-4DB2-BD59-A6C34878D82A}">
@@ -17823,7 +17867,13 @@
                       </a:r>
                     </a:p>
                   </a:txBody>
-                  <a:tcPr/>
+                  <a:tcPr>
+                    <a:solidFill>
+                      <a:schemeClr val="bg1">
+                        <a:lumMod val="65000"/>
+                      </a:schemeClr>
+                    </a:solidFill>
+                  </a:tcPr>
                 </a:tc>
                 <a:tc>
                   <a:txBody>
@@ -17837,7 +17887,13 @@
                       </a:r>
                     </a:p>
                   </a:txBody>
-                  <a:tcPr/>
+                  <a:tcPr>
+                    <a:solidFill>
+                      <a:schemeClr val="bg1">
+                        <a:lumMod val="65000"/>
+                      </a:schemeClr>
+                    </a:solidFill>
+                  </a:tcPr>
                 </a:tc>
                 <a:extLst>
                   <a:ext uri="{0D108BD9-81ED-4DB2-BD59-A6C34878D82A}">
@@ -17858,7 +17914,13 @@
                       </a:r>
                     </a:p>
                   </a:txBody>
-                  <a:tcPr/>
+                  <a:tcPr>
+                    <a:solidFill>
+                      <a:schemeClr val="bg1">
+                        <a:lumMod val="65000"/>
+                      </a:schemeClr>
+                    </a:solidFill>
+                  </a:tcPr>
                 </a:tc>
                 <a:tc>
                   <a:txBody>
@@ -17872,7 +17934,13 @@
                       </a:r>
                     </a:p>
                   </a:txBody>
-                  <a:tcPr/>
+                  <a:tcPr>
+                    <a:solidFill>
+                      <a:schemeClr val="bg1">
+                        <a:lumMod val="65000"/>
+                      </a:schemeClr>
+                    </a:solidFill>
+                  </a:tcPr>
                 </a:tc>
                 <a:extLst>
                   <a:ext uri="{0D108BD9-81ED-4DB2-BD59-A6C34878D82A}">
@@ -17893,7 +17961,13 @@
                       </a:r>
                     </a:p>
                   </a:txBody>
-                  <a:tcPr/>
+                  <a:tcPr>
+                    <a:solidFill>
+                      <a:schemeClr val="bg1">
+                        <a:lumMod val="65000"/>
+                      </a:schemeClr>
+                    </a:solidFill>
+                  </a:tcPr>
                 </a:tc>
                 <a:tc>
                   <a:txBody>
@@ -17907,7 +17981,13 @@
                       </a:r>
                     </a:p>
                   </a:txBody>
-                  <a:tcPr/>
+                  <a:tcPr>
+                    <a:solidFill>
+                      <a:schemeClr val="bg1">
+                        <a:lumMod val="65000"/>
+                      </a:schemeClr>
+                    </a:solidFill>
+                  </a:tcPr>
                 </a:tc>
                 <a:extLst>
                   <a:ext uri="{0D108BD9-81ED-4DB2-BD59-A6C34878D82A}">
@@ -17928,7 +18008,13 @@
                       </a:r>
                     </a:p>
                   </a:txBody>
-                  <a:tcPr/>
+                  <a:tcPr>
+                    <a:solidFill>
+                      <a:schemeClr val="bg1">
+                        <a:lumMod val="65000"/>
+                      </a:schemeClr>
+                    </a:solidFill>
+                  </a:tcPr>
                 </a:tc>
                 <a:tc>
                   <a:txBody>
@@ -17939,7 +18025,13 @@
                       <a:endParaRPr lang="en-US" sz="2400" dirty="0"/>
                     </a:p>
                   </a:txBody>
-                  <a:tcPr/>
+                  <a:tcPr>
+                    <a:solidFill>
+                      <a:schemeClr val="bg1">
+                        <a:lumMod val="65000"/>
+                      </a:schemeClr>
+                    </a:solidFill>
+                  </a:tcPr>
                 </a:tc>
                 <a:extLst>
                   <a:ext uri="{0D108BD9-81ED-4DB2-BD59-A6C34878D82A}">
@@ -17966,7 +18058,7 @@
           <p:nvPr>
             <p:extLst>
               <p:ext uri="{D42A27DB-BD31-4B8C-83A1-F6EECF244321}">
-                <p14:modId xmlns:p14="http://schemas.microsoft.com/office/powerpoint/2010/main" val="3988054646"/>
+                <p14:modId xmlns:p14="http://schemas.microsoft.com/office/powerpoint/2010/main" val="3055289683"/>
               </p:ext>
             </p:extLst>
           </p:nvPr>
@@ -17998,12 +18090,22 @@
                     <a:p>
                       <a:pPr algn="ctr"/>
                       <a:r>
-                        <a:rPr lang="en-US" dirty="0"/>
+                        <a:rPr lang="en-US" sz="2800" b="0" dirty="0">
+                          <a:solidFill>
+                            <a:schemeClr val="tx1"/>
+                          </a:solidFill>
+                        </a:rPr>
                         <a:t>y</a:t>
                       </a:r>
                     </a:p>
                   </a:txBody>
-                  <a:tcPr/>
+                  <a:tcPr>
+                    <a:solidFill>
+                      <a:schemeClr val="bg1">
+                        <a:lumMod val="75000"/>
+                      </a:schemeClr>
+                    </a:solidFill>
+                  </a:tcPr>
                 </a:tc>
                 <a:extLst>
                   <a:ext uri="{0D108BD9-81ED-4DB2-BD59-A6C34878D82A}">
@@ -19291,7 +19393,9 @@
             <a:r>
               <a:rPr lang="en-US" b="1" dirty="0">
                 <a:solidFill>
-                  <a:schemeClr val="bg1"/>
+                  <a:schemeClr val="accent1">
+                    <a:lumMod val="75000"/>
+                  </a:schemeClr>
                 </a:solidFill>
                 <a:highlight>
                   <a:srgbClr val="000000"/>
@@ -19370,7 +19474,9 @@
             <a:r>
               <a:rPr lang="en-US" b="1" dirty="0">
                 <a:solidFill>
-                  <a:schemeClr val="bg1"/>
+                  <a:schemeClr val="accent1">
+                    <a:lumMod val="75000"/>
+                  </a:schemeClr>
                 </a:solidFill>
                 <a:highlight>
                   <a:srgbClr val="000000"/>

--- a/CIS5560.pptx
+++ b/CIS5560.pptx
@@ -5,7 +5,7 @@
     <p:sldMasterId id="2147483648" r:id="rId1"/>
   </p:sldMasterIdLst>
   <p:notesMasterIdLst>
-    <p:notesMasterId r:id="rId31"/>
+    <p:notesMasterId r:id="rId32"/>
   </p:notesMasterIdLst>
   <p:sldIdLst>
     <p:sldId id="256" r:id="rId2"/>
@@ -29,14 +29,15 @@
     <p:sldId id="285" r:id="rId20"/>
     <p:sldId id="286" r:id="rId21"/>
     <p:sldId id="287" r:id="rId22"/>
-    <p:sldId id="283" r:id="rId23"/>
-    <p:sldId id="266" r:id="rId24"/>
-    <p:sldId id="267" r:id="rId25"/>
-    <p:sldId id="268" r:id="rId26"/>
-    <p:sldId id="263" r:id="rId27"/>
-    <p:sldId id="288" r:id="rId28"/>
-    <p:sldId id="264" r:id="rId29"/>
-    <p:sldId id="265" r:id="rId30"/>
+    <p:sldId id="289" r:id="rId23"/>
+    <p:sldId id="283" r:id="rId24"/>
+    <p:sldId id="266" r:id="rId25"/>
+    <p:sldId id="267" r:id="rId26"/>
+    <p:sldId id="268" r:id="rId27"/>
+    <p:sldId id="263" r:id="rId28"/>
+    <p:sldId id="288" r:id="rId29"/>
+    <p:sldId id="264" r:id="rId30"/>
+    <p:sldId id="265" r:id="rId31"/>
   </p:sldIdLst>
   <p:sldSz cx="12192000" cy="6858000"/>
   <p:notesSz cx="6858000" cy="9144000"/>
@@ -15541,6 +15542,1675 @@
           <p:cNvPr id="4" name="TextBox 3">
             <a:extLst>
               <a:ext uri="{FF2B5EF4-FFF2-40B4-BE49-F238E27FC236}">
+                <a16:creationId xmlns:a16="http://schemas.microsoft.com/office/drawing/2014/main" id="{BFD7C352-87D1-844E-BCEB-F86B70B318E2}"/>
+              </a:ext>
+            </a:extLst>
+          </p:cNvPr>
+          <p:cNvSpPr txBox="1"/>
+          <p:nvPr/>
+        </p:nvSpPr>
+        <p:spPr>
+          <a:xfrm>
+            <a:off x="141317" y="83953"/>
+            <a:ext cx="2211186" cy="553998"/>
+          </a:xfrm>
+          <a:prstGeom prst="rect">
+            <a:avLst/>
+          </a:prstGeom>
+          <a:noFill/>
+        </p:spPr>
+        <p:txBody>
+          <a:bodyPr wrap="square" rtlCol="0">
+            <a:spAutoFit/>
+          </a:bodyPr>
+          <a:lstStyle/>
+          <a:p>
+            <a:r>
+              <a:rPr lang="en-US" sz="3000" b="1" dirty="0">
+                <a:solidFill>
+                  <a:schemeClr val="bg1"/>
+                </a:solidFill>
+              </a:rPr>
+              <a:t>Comparison</a:t>
+            </a:r>
+          </a:p>
+        </p:txBody>
+      </p:sp>
+      <p:graphicFrame>
+        <p:nvGraphicFramePr>
+          <p:cNvPr id="5" name="Table 4">
+            <a:extLst>
+              <a:ext uri="{FF2B5EF4-FFF2-40B4-BE49-F238E27FC236}">
+                <a16:creationId xmlns:a16="http://schemas.microsoft.com/office/drawing/2014/main" id="{668D2C20-B4F4-BF45-BDB4-CDD4444B2FC8}"/>
+              </a:ext>
+            </a:extLst>
+          </p:cNvPr>
+          <p:cNvGraphicFramePr>
+            <a:graphicFrameLocks noGrp="1"/>
+          </p:cNvGraphicFramePr>
+          <p:nvPr>
+            <p:extLst>
+              <p:ext uri="{D42A27DB-BD31-4B8C-83A1-F6EECF244321}">
+                <p14:modId xmlns:p14="http://schemas.microsoft.com/office/powerpoint/2010/main" val="761197045"/>
+              </p:ext>
+            </p:extLst>
+          </p:nvPr>
+        </p:nvGraphicFramePr>
+        <p:xfrm>
+          <a:off x="251187" y="796333"/>
+          <a:ext cx="11540319" cy="5657628"/>
+        </p:xfrm>
+        <a:graphic>
+          <a:graphicData uri="http://schemas.openxmlformats.org/drawingml/2006/table">
+            <a:tbl>
+              <a:tblPr firstRow="1" bandRow="1">
+                <a:tableStyleId>{93296810-A885-4BE3-A3E7-6D5BEEA58F35}</a:tableStyleId>
+              </a:tblPr>
+              <a:tblGrid>
+                <a:gridCol w="2309073">
+                  <a:extLst>
+                    <a:ext uri="{9D8B030D-6E8A-4147-A177-3AD203B41FA5}">
+                      <a16:colId xmlns:a16="http://schemas.microsoft.com/office/drawing/2014/main" val="1747684755"/>
+                    </a:ext>
+                  </a:extLst>
+                </a:gridCol>
+                <a:gridCol w="2309073">
+                  <a:extLst>
+                    <a:ext uri="{9D8B030D-6E8A-4147-A177-3AD203B41FA5}">
+                      <a16:colId xmlns:a16="http://schemas.microsoft.com/office/drawing/2014/main" val="2305325753"/>
+                    </a:ext>
+                  </a:extLst>
+                </a:gridCol>
+                <a:gridCol w="2307391">
+                  <a:extLst>
+                    <a:ext uri="{9D8B030D-6E8A-4147-A177-3AD203B41FA5}">
+                      <a16:colId xmlns:a16="http://schemas.microsoft.com/office/drawing/2014/main" val="3953993335"/>
+                    </a:ext>
+                  </a:extLst>
+                </a:gridCol>
+                <a:gridCol w="2307391">
+                  <a:extLst>
+                    <a:ext uri="{9D8B030D-6E8A-4147-A177-3AD203B41FA5}">
+                      <a16:colId xmlns:a16="http://schemas.microsoft.com/office/drawing/2014/main" val="1455570164"/>
+                    </a:ext>
+                  </a:extLst>
+                </a:gridCol>
+                <a:gridCol w="2307391">
+                  <a:extLst>
+                    <a:ext uri="{9D8B030D-6E8A-4147-A177-3AD203B41FA5}">
+                      <a16:colId xmlns:a16="http://schemas.microsoft.com/office/drawing/2014/main" val="1583911286"/>
+                    </a:ext>
+                  </a:extLst>
+                </a:gridCol>
+              </a:tblGrid>
+              <a:tr h="2308116">
+                <a:tc>
+                  <a:txBody>
+                    <a:bodyPr/>
+                    <a:lstStyle/>
+                    <a:p>
+                      <a:r>
+                        <a:rPr lang="en-US" sz="1800" dirty="0">
+                          <a:solidFill>
+                            <a:schemeClr val="tx1"/>
+                          </a:solidFill>
+                        </a:rPr>
+                        <a:t>AUC</a:t>
+                      </a:r>
+                    </a:p>
+                  </a:txBody>
+                  <a:tcPr>
+                    <a:lnL w="12700" cap="flat" cmpd="sng" algn="ctr">
+                      <a:noFill/>
+                      <a:prstDash val="solid"/>
+                      <a:round/>
+                      <a:headEnd type="none" w="med" len="med"/>
+                      <a:tailEnd type="none" w="med" len="med"/>
+                    </a:lnL>
+                    <a:lnR w="12700" cap="flat" cmpd="sng" algn="ctr">
+                      <a:solidFill>
+                        <a:schemeClr val="tx1"/>
+                      </a:solidFill>
+                      <a:prstDash val="solid"/>
+                      <a:round/>
+                      <a:headEnd type="none" w="med" len="med"/>
+                      <a:tailEnd type="none" w="med" len="med"/>
+                    </a:lnR>
+                    <a:lnT w="12700" cap="flat" cmpd="sng" algn="ctr">
+                      <a:noFill/>
+                      <a:prstDash val="solid"/>
+                      <a:round/>
+                      <a:headEnd type="none" w="med" len="med"/>
+                      <a:tailEnd type="none" w="med" len="med"/>
+                    </a:lnT>
+                    <a:lnB w="12700" cap="flat" cmpd="sng" algn="ctr">
+                      <a:solidFill>
+                        <a:schemeClr val="tx1"/>
+                      </a:solidFill>
+                      <a:prstDash val="solid"/>
+                      <a:round/>
+                      <a:headEnd type="none" w="med" len="med"/>
+                      <a:tailEnd type="none" w="med" len="med"/>
+                    </a:lnB>
+                    <a:blipFill>
+                      <a:blip r:embed="rId2"/>
+                      <a:tile tx="0" ty="0" sx="100000" sy="100000" flip="none" algn="tl"/>
+                    </a:blipFill>
+                  </a:tcPr>
+                </a:tc>
+                <a:tc>
+                  <a:txBody>
+                    <a:bodyPr/>
+                    <a:lstStyle/>
+                    <a:p>
+                      <a:pPr algn="ctr"/>
+                      <a:r>
+                        <a:rPr lang="en-US" sz="2400" dirty="0"/>
+                        <a:t>Logistic Regression</a:t>
+                      </a:r>
+                    </a:p>
+                  </a:txBody>
+                  <a:tcPr>
+                    <a:lnL w="12700" cap="flat" cmpd="sng" algn="ctr">
+                      <a:solidFill>
+                        <a:schemeClr val="tx1"/>
+                      </a:solidFill>
+                      <a:prstDash val="solid"/>
+                      <a:round/>
+                      <a:headEnd type="none" w="med" len="med"/>
+                      <a:tailEnd type="none" w="med" len="med"/>
+                    </a:lnL>
+                    <a:lnR w="12700" cap="flat" cmpd="sng" algn="ctr">
+                      <a:solidFill>
+                        <a:schemeClr val="tx1"/>
+                      </a:solidFill>
+                      <a:prstDash val="solid"/>
+                      <a:round/>
+                      <a:headEnd type="none" w="med" len="med"/>
+                      <a:tailEnd type="none" w="med" len="med"/>
+                    </a:lnR>
+                    <a:lnT w="12700" cap="flat" cmpd="sng" algn="ctr">
+                      <a:solidFill>
+                        <a:schemeClr val="tx1"/>
+                      </a:solidFill>
+                      <a:prstDash val="solid"/>
+                      <a:round/>
+                      <a:headEnd type="none" w="med" len="med"/>
+                      <a:tailEnd type="none" w="med" len="med"/>
+                    </a:lnT>
+                    <a:lnB w="12700" cap="flat" cmpd="sng" algn="ctr">
+                      <a:solidFill>
+                        <a:schemeClr val="tx1"/>
+                      </a:solidFill>
+                      <a:prstDash val="solid"/>
+                      <a:round/>
+                      <a:headEnd type="none" w="med" len="med"/>
+                      <a:tailEnd type="none" w="med" len="med"/>
+                    </a:lnB>
+                    <a:solidFill>
+                      <a:schemeClr val="tx1"/>
+                    </a:solidFill>
+                  </a:tcPr>
+                </a:tc>
+                <a:tc>
+                  <a:txBody>
+                    <a:bodyPr/>
+                    <a:lstStyle/>
+                    <a:p>
+                      <a:pPr algn="ctr"/>
+                      <a:r>
+                        <a:rPr lang="en-US" sz="2400" dirty="0"/>
+                        <a:t>Decision Forest</a:t>
+                      </a:r>
+                    </a:p>
+                  </a:txBody>
+                  <a:tcPr>
+                    <a:lnL w="12700" cap="flat" cmpd="sng" algn="ctr">
+                      <a:solidFill>
+                        <a:schemeClr val="tx1"/>
+                      </a:solidFill>
+                      <a:prstDash val="solid"/>
+                      <a:round/>
+                      <a:headEnd type="none" w="med" len="med"/>
+                      <a:tailEnd type="none" w="med" len="med"/>
+                    </a:lnL>
+                    <a:lnR w="12700" cap="flat" cmpd="sng" algn="ctr">
+                      <a:solidFill>
+                        <a:schemeClr val="tx1"/>
+                      </a:solidFill>
+                      <a:prstDash val="solid"/>
+                      <a:round/>
+                      <a:headEnd type="none" w="med" len="med"/>
+                      <a:tailEnd type="none" w="med" len="med"/>
+                    </a:lnR>
+                    <a:lnT w="12700" cap="flat" cmpd="sng" algn="ctr">
+                      <a:solidFill>
+                        <a:schemeClr val="tx1"/>
+                      </a:solidFill>
+                      <a:prstDash val="solid"/>
+                      <a:round/>
+                      <a:headEnd type="none" w="med" len="med"/>
+                      <a:tailEnd type="none" w="med" len="med"/>
+                    </a:lnT>
+                    <a:lnB w="12700" cap="flat" cmpd="sng" algn="ctr">
+                      <a:solidFill>
+                        <a:schemeClr val="tx1"/>
+                      </a:solidFill>
+                      <a:prstDash val="solid"/>
+                      <a:round/>
+                      <a:headEnd type="none" w="med" len="med"/>
+                      <a:tailEnd type="none" w="med" len="med"/>
+                    </a:lnB>
+                    <a:solidFill>
+                      <a:schemeClr val="tx1"/>
+                    </a:solidFill>
+                  </a:tcPr>
+                </a:tc>
+                <a:tc>
+                  <a:txBody>
+                    <a:bodyPr/>
+                    <a:lstStyle/>
+                    <a:p>
+                      <a:pPr algn="ctr"/>
+                      <a:r>
+                        <a:rPr lang="en-US" sz="2400" dirty="0"/>
+                        <a:t>Naive Bayes</a:t>
+                      </a:r>
+                    </a:p>
+                  </a:txBody>
+                  <a:tcPr>
+                    <a:lnL w="12700" cap="flat" cmpd="sng" algn="ctr">
+                      <a:solidFill>
+                        <a:schemeClr val="tx1"/>
+                      </a:solidFill>
+                      <a:prstDash val="solid"/>
+                      <a:round/>
+                      <a:headEnd type="none" w="med" len="med"/>
+                      <a:tailEnd type="none" w="med" len="med"/>
+                    </a:lnL>
+                    <a:lnR w="12700" cap="flat" cmpd="sng" algn="ctr">
+                      <a:solidFill>
+                        <a:schemeClr val="tx1"/>
+                      </a:solidFill>
+                      <a:prstDash val="solid"/>
+                      <a:round/>
+                      <a:headEnd type="none" w="med" len="med"/>
+                      <a:tailEnd type="none" w="med" len="med"/>
+                    </a:lnR>
+                    <a:lnT w="12700" cap="flat" cmpd="sng" algn="ctr">
+                      <a:solidFill>
+                        <a:schemeClr val="tx1"/>
+                      </a:solidFill>
+                      <a:prstDash val="solid"/>
+                      <a:round/>
+                      <a:headEnd type="none" w="med" len="med"/>
+                      <a:tailEnd type="none" w="med" len="med"/>
+                    </a:lnT>
+                    <a:lnB w="12700" cap="flat" cmpd="sng" algn="ctr">
+                      <a:solidFill>
+                        <a:schemeClr val="tx1"/>
+                      </a:solidFill>
+                      <a:prstDash val="solid"/>
+                      <a:round/>
+                      <a:headEnd type="none" w="med" len="med"/>
+                      <a:tailEnd type="none" w="med" len="med"/>
+                    </a:lnB>
+                    <a:solidFill>
+                      <a:schemeClr val="tx1"/>
+                    </a:solidFill>
+                  </a:tcPr>
+                </a:tc>
+                <a:tc>
+                  <a:txBody>
+                    <a:bodyPr/>
+                    <a:lstStyle/>
+                    <a:p>
+                      <a:pPr algn="ctr"/>
+                      <a:r>
+                        <a:rPr lang="en-US" sz="2400" dirty="0"/>
+                        <a:t>Random Forest Classifier &amp; Decision Forest Boosted</a:t>
+                      </a:r>
+                    </a:p>
+                  </a:txBody>
+                  <a:tcPr>
+                    <a:lnL w="12700" cap="flat" cmpd="sng" algn="ctr">
+                      <a:solidFill>
+                        <a:schemeClr val="tx1"/>
+                      </a:solidFill>
+                      <a:prstDash val="solid"/>
+                      <a:round/>
+                      <a:headEnd type="none" w="med" len="med"/>
+                      <a:tailEnd type="none" w="med" len="med"/>
+                    </a:lnL>
+                    <a:lnR w="12700" cap="flat" cmpd="sng" algn="ctr">
+                      <a:solidFill>
+                        <a:schemeClr val="tx1"/>
+                      </a:solidFill>
+                      <a:prstDash val="solid"/>
+                      <a:round/>
+                      <a:headEnd type="none" w="med" len="med"/>
+                      <a:tailEnd type="none" w="med" len="med"/>
+                    </a:lnR>
+                    <a:lnT w="12700" cap="flat" cmpd="sng" algn="ctr">
+                      <a:solidFill>
+                        <a:schemeClr val="tx1"/>
+                      </a:solidFill>
+                      <a:prstDash val="solid"/>
+                      <a:round/>
+                      <a:headEnd type="none" w="med" len="med"/>
+                      <a:tailEnd type="none" w="med" len="med"/>
+                    </a:lnT>
+                    <a:lnB w="12700" cap="flat" cmpd="sng" algn="ctr">
+                      <a:solidFill>
+                        <a:schemeClr val="tx1"/>
+                      </a:solidFill>
+                      <a:prstDash val="solid"/>
+                      <a:round/>
+                      <a:headEnd type="none" w="med" len="med"/>
+                      <a:tailEnd type="none" w="med" len="med"/>
+                    </a:lnB>
+                    <a:solidFill>
+                      <a:schemeClr val="tx1"/>
+                    </a:solidFill>
+                  </a:tcPr>
+                </a:tc>
+                <a:extLst>
+                  <a:ext uri="{0D108BD9-81ED-4DB2-BD59-A6C34878D82A}">
+                    <a16:rowId xmlns:a16="http://schemas.microsoft.com/office/drawing/2014/main" val="3395582629"/>
+                  </a:ext>
+                </a:extLst>
+              </a:tr>
+              <a:tr h="705124">
+                <a:tc rowSpan="2">
+                  <a:txBody>
+                    <a:bodyPr/>
+                    <a:lstStyle/>
+                    <a:p>
+                      <a:r>
+                        <a:rPr lang="en-US" sz="2400" dirty="0">
+                          <a:solidFill>
+                            <a:schemeClr val="bg1"/>
+                          </a:solidFill>
+                        </a:rPr>
+                        <a:t>Oracle</a:t>
+                      </a:r>
+                      <a:endParaRPr lang="en-US" sz="2400" dirty="0">
+                        <a:solidFill>
+                          <a:schemeClr val="accent6">
+                            <a:lumMod val="40000"/>
+                            <a:lumOff val="60000"/>
+                          </a:schemeClr>
+                        </a:solidFill>
+                      </a:endParaRPr>
+                    </a:p>
+                  </a:txBody>
+                  <a:tcPr>
+                    <a:lnL w="12700" cap="flat" cmpd="sng" algn="ctr">
+                      <a:solidFill>
+                        <a:schemeClr val="tx1"/>
+                      </a:solidFill>
+                      <a:prstDash val="solid"/>
+                      <a:round/>
+                      <a:headEnd type="none" w="med" len="med"/>
+                      <a:tailEnd type="none" w="med" len="med"/>
+                    </a:lnL>
+                    <a:lnR w="12700" cap="flat" cmpd="sng" algn="ctr">
+                      <a:solidFill>
+                        <a:schemeClr val="tx1"/>
+                      </a:solidFill>
+                      <a:prstDash val="solid"/>
+                      <a:round/>
+                      <a:headEnd type="none" w="med" len="med"/>
+                      <a:tailEnd type="none" w="med" len="med"/>
+                    </a:lnR>
+                    <a:lnT w="12700" cap="flat" cmpd="sng" algn="ctr">
+                      <a:solidFill>
+                        <a:schemeClr val="tx1"/>
+                      </a:solidFill>
+                      <a:prstDash val="solid"/>
+                      <a:round/>
+                      <a:headEnd type="none" w="med" len="med"/>
+                      <a:tailEnd type="none" w="med" len="med"/>
+                    </a:lnT>
+                    <a:lnB w="12700" cap="flat" cmpd="sng" algn="ctr">
+                      <a:solidFill>
+                        <a:schemeClr val="tx1"/>
+                      </a:solidFill>
+                      <a:prstDash val="solid"/>
+                      <a:round/>
+                      <a:headEnd type="none" w="med" len="med"/>
+                      <a:tailEnd type="none" w="med" len="med"/>
+                    </a:lnB>
+                    <a:solidFill>
+                      <a:schemeClr val="accent5">
+                        <a:lumMod val="75000"/>
+                      </a:schemeClr>
+                    </a:solidFill>
+                  </a:tcPr>
+                </a:tc>
+                <a:tc>
+                  <a:txBody>
+                    <a:bodyPr/>
+                    <a:lstStyle/>
+                    <a:p>
+                      <a:pPr algn="ctr"/>
+                      <a:r>
+                        <a:rPr lang="en-US" sz="2400" dirty="0">
+                          <a:solidFill>
+                            <a:schemeClr val="bg1"/>
+                          </a:solidFill>
+                        </a:rPr>
+                        <a:t>0.99</a:t>
+                      </a:r>
+                    </a:p>
+                  </a:txBody>
+                  <a:tcPr>
+                    <a:lnL w="12700" cap="flat" cmpd="sng" algn="ctr">
+                      <a:solidFill>
+                        <a:schemeClr val="tx1"/>
+                      </a:solidFill>
+                      <a:prstDash val="solid"/>
+                      <a:round/>
+                      <a:headEnd type="none" w="med" len="med"/>
+                      <a:tailEnd type="none" w="med" len="med"/>
+                    </a:lnL>
+                    <a:lnR w="12700" cap="flat" cmpd="sng" algn="ctr">
+                      <a:solidFill>
+                        <a:schemeClr val="tx1"/>
+                      </a:solidFill>
+                      <a:prstDash val="solid"/>
+                      <a:round/>
+                      <a:headEnd type="none" w="med" len="med"/>
+                      <a:tailEnd type="none" w="med" len="med"/>
+                    </a:lnR>
+                    <a:lnT w="12700" cap="flat" cmpd="sng" algn="ctr">
+                      <a:solidFill>
+                        <a:schemeClr val="tx1"/>
+                      </a:solidFill>
+                      <a:prstDash val="solid"/>
+                      <a:round/>
+                      <a:headEnd type="none" w="med" len="med"/>
+                      <a:tailEnd type="none" w="med" len="med"/>
+                    </a:lnT>
+                    <a:lnB w="12700" cap="flat" cmpd="sng" algn="ctr">
+                      <a:solidFill>
+                        <a:schemeClr val="tx1"/>
+                      </a:solidFill>
+                      <a:prstDash val="solid"/>
+                      <a:round/>
+                      <a:headEnd type="none" w="med" len="med"/>
+                      <a:tailEnd type="none" w="med" len="med"/>
+                    </a:lnB>
+                    <a:solidFill>
+                      <a:schemeClr val="accent5">
+                        <a:lumMod val="75000"/>
+                      </a:schemeClr>
+                    </a:solidFill>
+                  </a:tcPr>
+                </a:tc>
+                <a:tc>
+                  <a:txBody>
+                    <a:bodyPr/>
+                    <a:lstStyle/>
+                    <a:p>
+                      <a:pPr algn="ctr"/>
+                      <a:r>
+                        <a:rPr lang="en-US" sz="2400" dirty="0">
+                          <a:solidFill>
+                            <a:schemeClr val="bg1"/>
+                          </a:solidFill>
+                        </a:rPr>
+                        <a:t>0.89</a:t>
+                      </a:r>
+                    </a:p>
+                  </a:txBody>
+                  <a:tcPr>
+                    <a:lnL w="12700" cap="flat" cmpd="sng" algn="ctr">
+                      <a:solidFill>
+                        <a:schemeClr val="tx1"/>
+                      </a:solidFill>
+                      <a:prstDash val="solid"/>
+                      <a:round/>
+                      <a:headEnd type="none" w="med" len="med"/>
+                      <a:tailEnd type="none" w="med" len="med"/>
+                    </a:lnL>
+                    <a:lnR w="12700" cap="flat" cmpd="sng" algn="ctr">
+                      <a:solidFill>
+                        <a:schemeClr val="tx1"/>
+                      </a:solidFill>
+                      <a:prstDash val="solid"/>
+                      <a:round/>
+                      <a:headEnd type="none" w="med" len="med"/>
+                      <a:tailEnd type="none" w="med" len="med"/>
+                    </a:lnR>
+                    <a:lnT w="12700" cap="flat" cmpd="sng" algn="ctr">
+                      <a:solidFill>
+                        <a:schemeClr val="tx1"/>
+                      </a:solidFill>
+                      <a:prstDash val="solid"/>
+                      <a:round/>
+                      <a:headEnd type="none" w="med" len="med"/>
+                      <a:tailEnd type="none" w="med" len="med"/>
+                    </a:lnT>
+                    <a:lnB w="12700" cap="flat" cmpd="sng" algn="ctr">
+                      <a:solidFill>
+                        <a:schemeClr val="tx1"/>
+                      </a:solidFill>
+                      <a:prstDash val="solid"/>
+                      <a:round/>
+                      <a:headEnd type="none" w="med" len="med"/>
+                      <a:tailEnd type="none" w="med" len="med"/>
+                    </a:lnB>
+                    <a:solidFill>
+                      <a:schemeClr val="accent5">
+                        <a:lumMod val="75000"/>
+                      </a:schemeClr>
+                    </a:solidFill>
+                  </a:tcPr>
+                </a:tc>
+                <a:tc>
+                  <a:txBody>
+                    <a:bodyPr/>
+                    <a:lstStyle/>
+                    <a:p>
+                      <a:pPr algn="ctr"/>
+                      <a:r>
+                        <a:rPr lang="en-US" sz="2400" dirty="0">
+                          <a:solidFill>
+                            <a:schemeClr val="bg1"/>
+                          </a:solidFill>
+                        </a:rPr>
+                        <a:t>0.38</a:t>
+                      </a:r>
+                    </a:p>
+                  </a:txBody>
+                  <a:tcPr>
+                    <a:lnL w="12700" cap="flat" cmpd="sng" algn="ctr">
+                      <a:solidFill>
+                        <a:schemeClr val="tx1"/>
+                      </a:solidFill>
+                      <a:prstDash val="solid"/>
+                      <a:round/>
+                      <a:headEnd type="none" w="med" len="med"/>
+                      <a:tailEnd type="none" w="med" len="med"/>
+                    </a:lnL>
+                    <a:lnR w="12700" cap="flat" cmpd="sng" algn="ctr">
+                      <a:solidFill>
+                        <a:schemeClr val="tx1"/>
+                      </a:solidFill>
+                      <a:prstDash val="solid"/>
+                      <a:round/>
+                      <a:headEnd type="none" w="med" len="med"/>
+                      <a:tailEnd type="none" w="med" len="med"/>
+                    </a:lnR>
+                    <a:lnT w="12700" cap="flat" cmpd="sng" algn="ctr">
+                      <a:solidFill>
+                        <a:schemeClr val="tx1"/>
+                      </a:solidFill>
+                      <a:prstDash val="solid"/>
+                      <a:round/>
+                      <a:headEnd type="none" w="med" len="med"/>
+                      <a:tailEnd type="none" w="med" len="med"/>
+                    </a:lnT>
+                    <a:lnB w="12700" cap="flat" cmpd="sng" algn="ctr">
+                      <a:solidFill>
+                        <a:schemeClr val="tx1"/>
+                      </a:solidFill>
+                      <a:prstDash val="solid"/>
+                      <a:round/>
+                      <a:headEnd type="none" w="med" len="med"/>
+                      <a:tailEnd type="none" w="med" len="med"/>
+                    </a:lnB>
+                    <a:solidFill>
+                      <a:schemeClr val="accent5">
+                        <a:lumMod val="75000"/>
+                      </a:schemeClr>
+                    </a:solidFill>
+                  </a:tcPr>
+                </a:tc>
+                <a:tc>
+                  <a:txBody>
+                    <a:bodyPr/>
+                    <a:lstStyle/>
+                    <a:p>
+                      <a:pPr algn="ctr"/>
+                      <a:r>
+                        <a:rPr lang="en-US" sz="2400" dirty="0">
+                          <a:solidFill>
+                            <a:schemeClr val="bg1"/>
+                          </a:solidFill>
+                        </a:rPr>
+                        <a:t>0.824</a:t>
+                      </a:r>
+                    </a:p>
+                  </a:txBody>
+                  <a:tcPr>
+                    <a:lnL w="12700" cap="flat" cmpd="sng" algn="ctr">
+                      <a:solidFill>
+                        <a:schemeClr val="tx1"/>
+                      </a:solidFill>
+                      <a:prstDash val="solid"/>
+                      <a:round/>
+                      <a:headEnd type="none" w="med" len="med"/>
+                      <a:tailEnd type="none" w="med" len="med"/>
+                    </a:lnL>
+                    <a:lnR w="12700" cap="flat" cmpd="sng" algn="ctr">
+                      <a:solidFill>
+                        <a:schemeClr val="tx1"/>
+                      </a:solidFill>
+                      <a:prstDash val="solid"/>
+                      <a:round/>
+                      <a:headEnd type="none" w="med" len="med"/>
+                      <a:tailEnd type="none" w="med" len="med"/>
+                    </a:lnR>
+                    <a:lnT w="12700" cap="flat" cmpd="sng" algn="ctr">
+                      <a:solidFill>
+                        <a:schemeClr val="tx1"/>
+                      </a:solidFill>
+                      <a:prstDash val="solid"/>
+                      <a:round/>
+                      <a:headEnd type="none" w="med" len="med"/>
+                      <a:tailEnd type="none" w="med" len="med"/>
+                    </a:lnT>
+                    <a:lnB w="12700" cap="flat" cmpd="sng" algn="ctr">
+                      <a:solidFill>
+                        <a:schemeClr val="tx1"/>
+                      </a:solidFill>
+                      <a:prstDash val="solid"/>
+                      <a:round/>
+                      <a:headEnd type="none" w="med" len="med"/>
+                      <a:tailEnd type="none" w="med" len="med"/>
+                    </a:lnB>
+                    <a:solidFill>
+                      <a:schemeClr val="accent5">
+                        <a:lumMod val="75000"/>
+                      </a:schemeClr>
+                    </a:solidFill>
+                  </a:tcPr>
+                </a:tc>
+                <a:extLst>
+                  <a:ext uri="{0D108BD9-81ED-4DB2-BD59-A6C34878D82A}">
+                    <a16:rowId xmlns:a16="http://schemas.microsoft.com/office/drawing/2014/main" val="1605054363"/>
+                  </a:ext>
+                </a:extLst>
+              </a:tr>
+              <a:tr h="969632">
+                <a:tc vMerge="1">
+                  <a:txBody>
+                    <a:bodyPr/>
+                    <a:lstStyle/>
+                    <a:p>
+                      <a:endParaRPr lang="en-US" sz="2400" dirty="0">
+                        <a:solidFill>
+                          <a:schemeClr val="accent6">
+                            <a:lumMod val="40000"/>
+                            <a:lumOff val="60000"/>
+                          </a:schemeClr>
+                        </a:solidFill>
+                      </a:endParaRPr>
+                    </a:p>
+                  </a:txBody>
+                  <a:tcPr>
+                    <a:lnL w="12700" cap="flat" cmpd="sng" algn="ctr">
+                      <a:solidFill>
+                        <a:schemeClr val="tx1"/>
+                      </a:solidFill>
+                      <a:prstDash val="solid"/>
+                      <a:round/>
+                      <a:headEnd type="none" w="med" len="med"/>
+                      <a:tailEnd type="none" w="med" len="med"/>
+                    </a:lnL>
+                    <a:lnR w="12700" cap="flat" cmpd="sng" algn="ctr">
+                      <a:solidFill>
+                        <a:schemeClr val="tx1"/>
+                      </a:solidFill>
+                      <a:prstDash val="solid"/>
+                      <a:round/>
+                      <a:headEnd type="none" w="med" len="med"/>
+                      <a:tailEnd type="none" w="med" len="med"/>
+                    </a:lnR>
+                    <a:lnT w="12700" cap="flat" cmpd="sng" algn="ctr">
+                      <a:solidFill>
+                        <a:schemeClr val="tx1"/>
+                      </a:solidFill>
+                      <a:prstDash val="solid"/>
+                      <a:round/>
+                      <a:headEnd type="none" w="med" len="med"/>
+                      <a:tailEnd type="none" w="med" len="med"/>
+                    </a:lnT>
+                    <a:lnB w="12700" cap="flat" cmpd="sng" algn="ctr">
+                      <a:solidFill>
+                        <a:schemeClr val="tx1"/>
+                      </a:solidFill>
+                      <a:prstDash val="solid"/>
+                      <a:round/>
+                      <a:headEnd type="none" w="med" len="med"/>
+                      <a:tailEnd type="none" w="med" len="med"/>
+                    </a:lnB>
+                    <a:solidFill>
+                      <a:schemeClr val="accent5">
+                        <a:lumMod val="75000"/>
+                      </a:schemeClr>
+                    </a:solidFill>
+                  </a:tcPr>
+                </a:tc>
+                <a:tc>
+                  <a:txBody>
+                    <a:bodyPr/>
+                    <a:lstStyle/>
+                    <a:p>
+                      <a:pPr algn="ctr"/>
+                      <a:r>
+                        <a:rPr lang="en-US" sz="2400" dirty="0">
+                          <a:solidFill>
+                            <a:schemeClr val="accent6">
+                              <a:lumMod val="40000"/>
+                              <a:lumOff val="60000"/>
+                            </a:schemeClr>
+                          </a:solidFill>
+                        </a:rPr>
+                        <a:t>32 min</a:t>
+                      </a:r>
+                    </a:p>
+                  </a:txBody>
+                  <a:tcPr>
+                    <a:lnL w="12700" cap="flat" cmpd="sng" algn="ctr">
+                      <a:solidFill>
+                        <a:schemeClr val="tx1"/>
+                      </a:solidFill>
+                      <a:prstDash val="solid"/>
+                      <a:round/>
+                      <a:headEnd type="none" w="med" len="med"/>
+                      <a:tailEnd type="none" w="med" len="med"/>
+                    </a:lnL>
+                    <a:lnR w="12700" cap="flat" cmpd="sng" algn="ctr">
+                      <a:solidFill>
+                        <a:schemeClr val="tx1"/>
+                      </a:solidFill>
+                      <a:prstDash val="solid"/>
+                      <a:round/>
+                      <a:headEnd type="none" w="med" len="med"/>
+                      <a:tailEnd type="none" w="med" len="med"/>
+                    </a:lnR>
+                    <a:lnT w="12700" cap="flat" cmpd="sng" algn="ctr">
+                      <a:solidFill>
+                        <a:schemeClr val="tx1"/>
+                      </a:solidFill>
+                      <a:prstDash val="solid"/>
+                      <a:round/>
+                      <a:headEnd type="none" w="med" len="med"/>
+                      <a:tailEnd type="none" w="med" len="med"/>
+                    </a:lnT>
+                    <a:lnB w="12700" cap="flat" cmpd="sng" algn="ctr">
+                      <a:solidFill>
+                        <a:schemeClr val="tx1"/>
+                      </a:solidFill>
+                      <a:prstDash val="solid"/>
+                      <a:round/>
+                      <a:headEnd type="none" w="med" len="med"/>
+                      <a:tailEnd type="none" w="med" len="med"/>
+                    </a:lnB>
+                    <a:solidFill>
+                      <a:schemeClr val="accent5">
+                        <a:lumMod val="75000"/>
+                      </a:schemeClr>
+                    </a:solidFill>
+                  </a:tcPr>
+                </a:tc>
+                <a:tc>
+                  <a:txBody>
+                    <a:bodyPr/>
+                    <a:lstStyle/>
+                    <a:p>
+                      <a:pPr algn="ctr"/>
+                      <a:r>
+                        <a:rPr lang="en-US" sz="2400" dirty="0">
+                          <a:solidFill>
+                            <a:schemeClr val="accent6">
+                              <a:lumMod val="40000"/>
+                              <a:lumOff val="60000"/>
+                            </a:schemeClr>
+                          </a:solidFill>
+                        </a:rPr>
+                        <a:t>45 min</a:t>
+                      </a:r>
+                    </a:p>
+                  </a:txBody>
+                  <a:tcPr>
+                    <a:lnL w="12700" cap="flat" cmpd="sng" algn="ctr">
+                      <a:solidFill>
+                        <a:schemeClr val="tx1"/>
+                      </a:solidFill>
+                      <a:prstDash val="solid"/>
+                      <a:round/>
+                      <a:headEnd type="none" w="med" len="med"/>
+                      <a:tailEnd type="none" w="med" len="med"/>
+                    </a:lnL>
+                    <a:lnR w="12700" cap="flat" cmpd="sng" algn="ctr">
+                      <a:solidFill>
+                        <a:schemeClr val="tx1"/>
+                      </a:solidFill>
+                      <a:prstDash val="solid"/>
+                      <a:round/>
+                      <a:headEnd type="none" w="med" len="med"/>
+                      <a:tailEnd type="none" w="med" len="med"/>
+                    </a:lnR>
+                    <a:lnT w="12700" cap="flat" cmpd="sng" algn="ctr">
+                      <a:solidFill>
+                        <a:schemeClr val="tx1"/>
+                      </a:solidFill>
+                      <a:prstDash val="solid"/>
+                      <a:round/>
+                      <a:headEnd type="none" w="med" len="med"/>
+                      <a:tailEnd type="none" w="med" len="med"/>
+                    </a:lnT>
+                    <a:lnB w="12700" cap="flat" cmpd="sng" algn="ctr">
+                      <a:solidFill>
+                        <a:schemeClr val="tx1"/>
+                      </a:solidFill>
+                      <a:prstDash val="solid"/>
+                      <a:round/>
+                      <a:headEnd type="none" w="med" len="med"/>
+                      <a:tailEnd type="none" w="med" len="med"/>
+                    </a:lnB>
+                    <a:solidFill>
+                      <a:schemeClr val="accent5">
+                        <a:lumMod val="75000"/>
+                      </a:schemeClr>
+                    </a:solidFill>
+                  </a:tcPr>
+                </a:tc>
+                <a:tc>
+                  <a:txBody>
+                    <a:bodyPr/>
+                    <a:lstStyle/>
+                    <a:p>
+                      <a:pPr algn="ctr"/>
+                      <a:r>
+                        <a:rPr lang="en-US" sz="2400" dirty="0">
+                          <a:solidFill>
+                            <a:schemeClr val="accent6">
+                              <a:lumMod val="40000"/>
+                              <a:lumOff val="60000"/>
+                            </a:schemeClr>
+                          </a:solidFill>
+                        </a:rPr>
+                        <a:t>22 min</a:t>
+                      </a:r>
+                    </a:p>
+                  </a:txBody>
+                  <a:tcPr>
+                    <a:lnL w="12700" cap="flat" cmpd="sng" algn="ctr">
+                      <a:solidFill>
+                        <a:schemeClr val="tx1"/>
+                      </a:solidFill>
+                      <a:prstDash val="solid"/>
+                      <a:round/>
+                      <a:headEnd type="none" w="med" len="med"/>
+                      <a:tailEnd type="none" w="med" len="med"/>
+                    </a:lnL>
+                    <a:lnR w="12700" cap="flat" cmpd="sng" algn="ctr">
+                      <a:solidFill>
+                        <a:schemeClr val="tx1"/>
+                      </a:solidFill>
+                      <a:prstDash val="solid"/>
+                      <a:round/>
+                      <a:headEnd type="none" w="med" len="med"/>
+                      <a:tailEnd type="none" w="med" len="med"/>
+                    </a:lnR>
+                    <a:lnT w="12700" cap="flat" cmpd="sng" algn="ctr">
+                      <a:solidFill>
+                        <a:schemeClr val="tx1"/>
+                      </a:solidFill>
+                      <a:prstDash val="solid"/>
+                      <a:round/>
+                      <a:headEnd type="none" w="med" len="med"/>
+                      <a:tailEnd type="none" w="med" len="med"/>
+                    </a:lnT>
+                    <a:lnB w="12700" cap="flat" cmpd="sng" algn="ctr">
+                      <a:solidFill>
+                        <a:schemeClr val="tx1"/>
+                      </a:solidFill>
+                      <a:prstDash val="solid"/>
+                      <a:round/>
+                      <a:headEnd type="none" w="med" len="med"/>
+                      <a:tailEnd type="none" w="med" len="med"/>
+                    </a:lnB>
+                    <a:solidFill>
+                      <a:schemeClr val="accent5">
+                        <a:lumMod val="75000"/>
+                      </a:schemeClr>
+                    </a:solidFill>
+                  </a:tcPr>
+                </a:tc>
+                <a:tc>
+                  <a:txBody>
+                    <a:bodyPr/>
+                    <a:lstStyle/>
+                    <a:p>
+                      <a:pPr algn="ctr"/>
+                      <a:r>
+                        <a:rPr lang="en-US" sz="2400" dirty="0">
+                          <a:solidFill>
+                            <a:schemeClr val="accent6">
+                              <a:lumMod val="40000"/>
+                              <a:lumOff val="60000"/>
+                            </a:schemeClr>
+                          </a:solidFill>
+                        </a:rPr>
+                        <a:t>40 min</a:t>
+                      </a:r>
+                    </a:p>
+                  </a:txBody>
+                  <a:tcPr>
+                    <a:lnL w="12700" cap="flat" cmpd="sng" algn="ctr">
+                      <a:solidFill>
+                        <a:schemeClr val="tx1"/>
+                      </a:solidFill>
+                      <a:prstDash val="solid"/>
+                      <a:round/>
+                      <a:headEnd type="none" w="med" len="med"/>
+                      <a:tailEnd type="none" w="med" len="med"/>
+                    </a:lnL>
+                    <a:lnR w="12700" cap="flat" cmpd="sng" algn="ctr">
+                      <a:solidFill>
+                        <a:schemeClr val="tx1"/>
+                      </a:solidFill>
+                      <a:prstDash val="solid"/>
+                      <a:round/>
+                      <a:headEnd type="none" w="med" len="med"/>
+                      <a:tailEnd type="none" w="med" len="med"/>
+                    </a:lnR>
+                    <a:lnT w="12700" cap="flat" cmpd="sng" algn="ctr">
+                      <a:solidFill>
+                        <a:schemeClr val="tx1"/>
+                      </a:solidFill>
+                      <a:prstDash val="solid"/>
+                      <a:round/>
+                      <a:headEnd type="none" w="med" len="med"/>
+                      <a:tailEnd type="none" w="med" len="med"/>
+                    </a:lnT>
+                    <a:lnB w="12700" cap="flat" cmpd="sng" algn="ctr">
+                      <a:solidFill>
+                        <a:schemeClr val="tx1"/>
+                      </a:solidFill>
+                      <a:prstDash val="solid"/>
+                      <a:round/>
+                      <a:headEnd type="none" w="med" len="med"/>
+                      <a:tailEnd type="none" w="med" len="med"/>
+                    </a:lnB>
+                    <a:solidFill>
+                      <a:schemeClr val="accent5">
+                        <a:lumMod val="75000"/>
+                      </a:schemeClr>
+                    </a:solidFill>
+                  </a:tcPr>
+                </a:tc>
+                <a:extLst>
+                  <a:ext uri="{0D108BD9-81ED-4DB2-BD59-A6C34878D82A}">
+                    <a16:rowId xmlns:a16="http://schemas.microsoft.com/office/drawing/2014/main" val="2033108623"/>
+                  </a:ext>
+                </a:extLst>
+              </a:tr>
+              <a:tr h="969632">
+                <a:tc rowSpan="2">
+                  <a:txBody>
+                    <a:bodyPr/>
+                    <a:lstStyle/>
+                    <a:p>
+                      <a:r>
+                        <a:rPr lang="en-US" sz="2400" dirty="0">
+                          <a:solidFill>
+                            <a:schemeClr val="bg1"/>
+                          </a:solidFill>
+                        </a:rPr>
+                        <a:t>Azure ML</a:t>
+                      </a:r>
+                    </a:p>
+                  </a:txBody>
+                  <a:tcPr>
+                    <a:lnL w="12700" cap="flat" cmpd="sng" algn="ctr">
+                      <a:solidFill>
+                        <a:schemeClr val="tx1"/>
+                      </a:solidFill>
+                      <a:prstDash val="solid"/>
+                      <a:round/>
+                      <a:headEnd type="none" w="med" len="med"/>
+                      <a:tailEnd type="none" w="med" len="med"/>
+                    </a:lnL>
+                    <a:lnR w="12700" cap="flat" cmpd="sng" algn="ctr">
+                      <a:solidFill>
+                        <a:schemeClr val="tx1"/>
+                      </a:solidFill>
+                      <a:prstDash val="solid"/>
+                      <a:round/>
+                      <a:headEnd type="none" w="med" len="med"/>
+                      <a:tailEnd type="none" w="med" len="med"/>
+                    </a:lnR>
+                    <a:lnT w="12700" cap="flat" cmpd="sng" algn="ctr">
+                      <a:solidFill>
+                        <a:schemeClr val="tx1"/>
+                      </a:solidFill>
+                      <a:prstDash val="solid"/>
+                      <a:round/>
+                      <a:headEnd type="none" w="med" len="med"/>
+                      <a:tailEnd type="none" w="med" len="med"/>
+                    </a:lnT>
+                    <a:lnB w="12700" cap="flat" cmpd="sng" algn="ctr">
+                      <a:solidFill>
+                        <a:schemeClr val="tx1"/>
+                      </a:solidFill>
+                      <a:prstDash val="solid"/>
+                      <a:round/>
+                      <a:headEnd type="none" w="med" len="med"/>
+                      <a:tailEnd type="none" w="med" len="med"/>
+                    </a:lnB>
+                    <a:solidFill>
+                      <a:schemeClr val="accent5">
+                        <a:lumMod val="75000"/>
+                      </a:schemeClr>
+                    </a:solidFill>
+                  </a:tcPr>
+                </a:tc>
+                <a:tc>
+                  <a:txBody>
+                    <a:bodyPr/>
+                    <a:lstStyle/>
+                    <a:p>
+                      <a:pPr algn="ctr"/>
+                      <a:r>
+                        <a:rPr lang="en-US" sz="2400" dirty="0">
+                          <a:solidFill>
+                            <a:schemeClr val="bg1"/>
+                          </a:solidFill>
+                        </a:rPr>
+                        <a:t>0.951</a:t>
+                      </a:r>
+                    </a:p>
+                  </a:txBody>
+                  <a:tcPr>
+                    <a:lnL w="12700" cap="flat" cmpd="sng" algn="ctr">
+                      <a:solidFill>
+                        <a:schemeClr val="tx1"/>
+                      </a:solidFill>
+                      <a:prstDash val="solid"/>
+                      <a:round/>
+                      <a:headEnd type="none" w="med" len="med"/>
+                      <a:tailEnd type="none" w="med" len="med"/>
+                    </a:lnL>
+                    <a:lnR w="12700" cap="flat" cmpd="sng" algn="ctr">
+                      <a:solidFill>
+                        <a:schemeClr val="tx1"/>
+                      </a:solidFill>
+                      <a:prstDash val="solid"/>
+                      <a:round/>
+                      <a:headEnd type="none" w="med" len="med"/>
+                      <a:tailEnd type="none" w="med" len="med"/>
+                    </a:lnR>
+                    <a:lnT w="12700" cap="flat" cmpd="sng" algn="ctr">
+                      <a:solidFill>
+                        <a:schemeClr val="tx1"/>
+                      </a:solidFill>
+                      <a:prstDash val="solid"/>
+                      <a:round/>
+                      <a:headEnd type="none" w="med" len="med"/>
+                      <a:tailEnd type="none" w="med" len="med"/>
+                    </a:lnT>
+                    <a:lnB w="12700" cap="flat" cmpd="sng" algn="ctr">
+                      <a:solidFill>
+                        <a:schemeClr val="tx1"/>
+                      </a:solidFill>
+                      <a:prstDash val="solid"/>
+                      <a:round/>
+                      <a:headEnd type="none" w="med" len="med"/>
+                      <a:tailEnd type="none" w="med" len="med"/>
+                    </a:lnB>
+                    <a:solidFill>
+                      <a:schemeClr val="accent5">
+                        <a:lumMod val="75000"/>
+                      </a:schemeClr>
+                    </a:solidFill>
+                  </a:tcPr>
+                </a:tc>
+                <a:tc>
+                  <a:txBody>
+                    <a:bodyPr/>
+                    <a:lstStyle/>
+                    <a:p>
+                      <a:pPr algn="ctr"/>
+                      <a:r>
+                        <a:rPr lang="en-US" sz="2400" dirty="0">
+                          <a:solidFill>
+                            <a:schemeClr val="bg1"/>
+                          </a:solidFill>
+                        </a:rPr>
+                        <a:t>0.8</a:t>
+                      </a:r>
+                    </a:p>
+                  </a:txBody>
+                  <a:tcPr>
+                    <a:lnL w="12700" cap="flat" cmpd="sng" algn="ctr">
+                      <a:solidFill>
+                        <a:schemeClr val="tx1"/>
+                      </a:solidFill>
+                      <a:prstDash val="solid"/>
+                      <a:round/>
+                      <a:headEnd type="none" w="med" len="med"/>
+                      <a:tailEnd type="none" w="med" len="med"/>
+                    </a:lnL>
+                    <a:lnR w="12700" cap="flat" cmpd="sng" algn="ctr">
+                      <a:solidFill>
+                        <a:schemeClr val="tx1"/>
+                      </a:solidFill>
+                      <a:prstDash val="solid"/>
+                      <a:round/>
+                      <a:headEnd type="none" w="med" len="med"/>
+                      <a:tailEnd type="none" w="med" len="med"/>
+                    </a:lnR>
+                    <a:lnT w="12700" cap="flat" cmpd="sng" algn="ctr">
+                      <a:solidFill>
+                        <a:schemeClr val="tx1"/>
+                      </a:solidFill>
+                      <a:prstDash val="solid"/>
+                      <a:round/>
+                      <a:headEnd type="none" w="med" len="med"/>
+                      <a:tailEnd type="none" w="med" len="med"/>
+                    </a:lnT>
+                    <a:lnB w="12700" cap="flat" cmpd="sng" algn="ctr">
+                      <a:solidFill>
+                        <a:schemeClr val="tx1"/>
+                      </a:solidFill>
+                      <a:prstDash val="solid"/>
+                      <a:round/>
+                      <a:headEnd type="none" w="med" len="med"/>
+                      <a:tailEnd type="none" w="med" len="med"/>
+                    </a:lnB>
+                    <a:solidFill>
+                      <a:schemeClr val="accent5">
+                        <a:lumMod val="75000"/>
+                      </a:schemeClr>
+                    </a:solidFill>
+                  </a:tcPr>
+                </a:tc>
+                <a:tc>
+                  <a:txBody>
+                    <a:bodyPr/>
+                    <a:lstStyle/>
+                    <a:p>
+                      <a:pPr algn="ctr"/>
+                      <a:r>
+                        <a:rPr lang="en-US" sz="2400" dirty="0">
+                          <a:solidFill>
+                            <a:schemeClr val="bg1"/>
+                          </a:solidFill>
+                        </a:rPr>
+                        <a:t>0.37</a:t>
+                      </a:r>
+                    </a:p>
+                  </a:txBody>
+                  <a:tcPr>
+                    <a:lnL w="12700" cap="flat" cmpd="sng" algn="ctr">
+                      <a:solidFill>
+                        <a:schemeClr val="tx1"/>
+                      </a:solidFill>
+                      <a:prstDash val="solid"/>
+                      <a:round/>
+                      <a:headEnd type="none" w="med" len="med"/>
+                      <a:tailEnd type="none" w="med" len="med"/>
+                    </a:lnL>
+                    <a:lnR w="12700" cap="flat" cmpd="sng" algn="ctr">
+                      <a:solidFill>
+                        <a:schemeClr val="tx1"/>
+                      </a:solidFill>
+                      <a:prstDash val="solid"/>
+                      <a:round/>
+                      <a:headEnd type="none" w="med" len="med"/>
+                      <a:tailEnd type="none" w="med" len="med"/>
+                    </a:lnR>
+                    <a:lnT w="12700" cap="flat" cmpd="sng" algn="ctr">
+                      <a:solidFill>
+                        <a:schemeClr val="tx1"/>
+                      </a:solidFill>
+                      <a:prstDash val="solid"/>
+                      <a:round/>
+                      <a:headEnd type="none" w="med" len="med"/>
+                      <a:tailEnd type="none" w="med" len="med"/>
+                    </a:lnT>
+                    <a:lnB w="12700" cap="flat" cmpd="sng" algn="ctr">
+                      <a:solidFill>
+                        <a:schemeClr val="tx1"/>
+                      </a:solidFill>
+                      <a:prstDash val="solid"/>
+                      <a:round/>
+                      <a:headEnd type="none" w="med" len="med"/>
+                      <a:tailEnd type="none" w="med" len="med"/>
+                    </a:lnB>
+                    <a:solidFill>
+                      <a:schemeClr val="accent5">
+                        <a:lumMod val="75000"/>
+                      </a:schemeClr>
+                    </a:solidFill>
+                  </a:tcPr>
+                </a:tc>
+                <a:tc>
+                  <a:txBody>
+                    <a:bodyPr/>
+                    <a:lstStyle/>
+                    <a:p>
+                      <a:pPr algn="ctr"/>
+                      <a:r>
+                        <a:rPr lang="en-US" sz="2400" dirty="0">
+                          <a:solidFill>
+                            <a:schemeClr val="bg1"/>
+                          </a:solidFill>
+                        </a:rPr>
+                        <a:t>0.977</a:t>
+                      </a:r>
+                    </a:p>
+                  </a:txBody>
+                  <a:tcPr>
+                    <a:lnL w="12700" cap="flat" cmpd="sng" algn="ctr">
+                      <a:solidFill>
+                        <a:schemeClr val="tx1"/>
+                      </a:solidFill>
+                      <a:prstDash val="solid"/>
+                      <a:round/>
+                      <a:headEnd type="none" w="med" len="med"/>
+                      <a:tailEnd type="none" w="med" len="med"/>
+                    </a:lnL>
+                    <a:lnR w="12700" cap="flat" cmpd="sng" algn="ctr">
+                      <a:solidFill>
+                        <a:schemeClr val="tx1"/>
+                      </a:solidFill>
+                      <a:prstDash val="solid"/>
+                      <a:round/>
+                      <a:headEnd type="none" w="med" len="med"/>
+                      <a:tailEnd type="none" w="med" len="med"/>
+                    </a:lnR>
+                    <a:lnT w="12700" cap="flat" cmpd="sng" algn="ctr">
+                      <a:solidFill>
+                        <a:schemeClr val="tx1"/>
+                      </a:solidFill>
+                      <a:prstDash val="solid"/>
+                      <a:round/>
+                      <a:headEnd type="none" w="med" len="med"/>
+                      <a:tailEnd type="none" w="med" len="med"/>
+                    </a:lnT>
+                    <a:lnB w="12700" cap="flat" cmpd="sng" algn="ctr">
+                      <a:solidFill>
+                        <a:schemeClr val="tx1"/>
+                      </a:solidFill>
+                      <a:prstDash val="solid"/>
+                      <a:round/>
+                      <a:headEnd type="none" w="med" len="med"/>
+                      <a:tailEnd type="none" w="med" len="med"/>
+                    </a:lnB>
+                    <a:solidFill>
+                      <a:schemeClr val="accent5">
+                        <a:lumMod val="75000"/>
+                      </a:schemeClr>
+                    </a:solidFill>
+                  </a:tcPr>
+                </a:tc>
+                <a:extLst>
+                  <a:ext uri="{0D108BD9-81ED-4DB2-BD59-A6C34878D82A}">
+                    <a16:rowId xmlns:a16="http://schemas.microsoft.com/office/drawing/2014/main" val="11009091"/>
+                  </a:ext>
+                </a:extLst>
+              </a:tr>
+              <a:tr h="705124">
+                <a:tc vMerge="1">
+                  <a:txBody>
+                    <a:bodyPr/>
+                    <a:lstStyle/>
+                    <a:p>
+                      <a:endParaRPr lang="en-US" sz="2400" dirty="0">
+                        <a:solidFill>
+                          <a:schemeClr val="bg1"/>
+                        </a:solidFill>
+                      </a:endParaRPr>
+                    </a:p>
+                  </a:txBody>
+                  <a:tcPr>
+                    <a:lnL w="12700" cap="flat" cmpd="sng" algn="ctr">
+                      <a:solidFill>
+                        <a:schemeClr val="tx1"/>
+                      </a:solidFill>
+                      <a:prstDash val="solid"/>
+                      <a:round/>
+                      <a:headEnd type="none" w="med" len="med"/>
+                      <a:tailEnd type="none" w="med" len="med"/>
+                    </a:lnL>
+                    <a:lnR w="12700" cap="flat" cmpd="sng" algn="ctr">
+                      <a:solidFill>
+                        <a:schemeClr val="tx1"/>
+                      </a:solidFill>
+                      <a:prstDash val="solid"/>
+                      <a:round/>
+                      <a:headEnd type="none" w="med" len="med"/>
+                      <a:tailEnd type="none" w="med" len="med"/>
+                    </a:lnR>
+                    <a:lnT w="12700" cap="flat" cmpd="sng" algn="ctr">
+                      <a:solidFill>
+                        <a:schemeClr val="tx1"/>
+                      </a:solidFill>
+                      <a:prstDash val="solid"/>
+                      <a:round/>
+                      <a:headEnd type="none" w="med" len="med"/>
+                      <a:tailEnd type="none" w="med" len="med"/>
+                    </a:lnT>
+                    <a:lnB w="12700" cap="flat" cmpd="sng" algn="ctr">
+                      <a:solidFill>
+                        <a:schemeClr val="tx1"/>
+                      </a:solidFill>
+                      <a:prstDash val="solid"/>
+                      <a:round/>
+                      <a:headEnd type="none" w="med" len="med"/>
+                      <a:tailEnd type="none" w="med" len="med"/>
+                    </a:lnB>
+                    <a:solidFill>
+                      <a:schemeClr val="accent5">
+                        <a:lumMod val="75000"/>
+                      </a:schemeClr>
+                    </a:solidFill>
+                  </a:tcPr>
+                </a:tc>
+                <a:tc>
+                  <a:txBody>
+                    <a:bodyPr/>
+                    <a:lstStyle/>
+                    <a:p>
+                      <a:pPr algn="ctr"/>
+                      <a:r>
+                        <a:rPr lang="en-US" sz="2400" dirty="0">
+                          <a:solidFill>
+                            <a:schemeClr val="bg1"/>
+                          </a:solidFill>
+                        </a:rPr>
+                        <a:t>1 min</a:t>
+                      </a:r>
+                    </a:p>
+                  </a:txBody>
+                  <a:tcPr>
+                    <a:lnL w="12700" cap="flat" cmpd="sng" algn="ctr">
+                      <a:solidFill>
+                        <a:schemeClr val="tx1"/>
+                      </a:solidFill>
+                      <a:prstDash val="solid"/>
+                      <a:round/>
+                      <a:headEnd type="none" w="med" len="med"/>
+                      <a:tailEnd type="none" w="med" len="med"/>
+                    </a:lnL>
+                    <a:lnR w="12700" cap="flat" cmpd="sng" algn="ctr">
+                      <a:solidFill>
+                        <a:schemeClr val="tx1"/>
+                      </a:solidFill>
+                      <a:prstDash val="solid"/>
+                      <a:round/>
+                      <a:headEnd type="none" w="med" len="med"/>
+                      <a:tailEnd type="none" w="med" len="med"/>
+                    </a:lnR>
+                    <a:lnT w="12700" cap="flat" cmpd="sng" algn="ctr">
+                      <a:solidFill>
+                        <a:schemeClr val="tx1"/>
+                      </a:solidFill>
+                      <a:prstDash val="solid"/>
+                      <a:round/>
+                      <a:headEnd type="none" w="med" len="med"/>
+                      <a:tailEnd type="none" w="med" len="med"/>
+                    </a:lnT>
+                    <a:lnB w="12700" cap="flat" cmpd="sng" algn="ctr">
+                      <a:solidFill>
+                        <a:schemeClr val="tx1"/>
+                      </a:solidFill>
+                      <a:prstDash val="solid"/>
+                      <a:round/>
+                      <a:headEnd type="none" w="med" len="med"/>
+                      <a:tailEnd type="none" w="med" len="med"/>
+                    </a:lnB>
+                    <a:solidFill>
+                      <a:schemeClr val="accent5">
+                        <a:lumMod val="75000"/>
+                      </a:schemeClr>
+                    </a:solidFill>
+                  </a:tcPr>
+                </a:tc>
+                <a:tc>
+                  <a:txBody>
+                    <a:bodyPr/>
+                    <a:lstStyle/>
+                    <a:p>
+                      <a:pPr algn="ctr"/>
+                      <a:r>
+                        <a:rPr lang="en-US" sz="2400" dirty="0">
+                          <a:solidFill>
+                            <a:schemeClr val="bg1"/>
+                          </a:solidFill>
+                        </a:rPr>
+                        <a:t>5 min</a:t>
+                      </a:r>
+                    </a:p>
+                  </a:txBody>
+                  <a:tcPr>
+                    <a:lnL w="12700" cap="flat" cmpd="sng" algn="ctr">
+                      <a:solidFill>
+                        <a:schemeClr val="tx1"/>
+                      </a:solidFill>
+                      <a:prstDash val="solid"/>
+                      <a:round/>
+                      <a:headEnd type="none" w="med" len="med"/>
+                      <a:tailEnd type="none" w="med" len="med"/>
+                    </a:lnL>
+                    <a:lnR w="12700" cap="flat" cmpd="sng" algn="ctr">
+                      <a:solidFill>
+                        <a:schemeClr val="tx1"/>
+                      </a:solidFill>
+                      <a:prstDash val="solid"/>
+                      <a:round/>
+                      <a:headEnd type="none" w="med" len="med"/>
+                      <a:tailEnd type="none" w="med" len="med"/>
+                    </a:lnR>
+                    <a:lnT w="12700" cap="flat" cmpd="sng" algn="ctr">
+                      <a:solidFill>
+                        <a:schemeClr val="tx1"/>
+                      </a:solidFill>
+                      <a:prstDash val="solid"/>
+                      <a:round/>
+                      <a:headEnd type="none" w="med" len="med"/>
+                      <a:tailEnd type="none" w="med" len="med"/>
+                    </a:lnT>
+                    <a:lnB w="12700" cap="flat" cmpd="sng" algn="ctr">
+                      <a:solidFill>
+                        <a:schemeClr val="tx1"/>
+                      </a:solidFill>
+                      <a:prstDash val="solid"/>
+                      <a:round/>
+                      <a:headEnd type="none" w="med" len="med"/>
+                      <a:tailEnd type="none" w="med" len="med"/>
+                    </a:lnB>
+                    <a:solidFill>
+                      <a:schemeClr val="accent5">
+                        <a:lumMod val="75000"/>
+                      </a:schemeClr>
+                    </a:solidFill>
+                  </a:tcPr>
+                </a:tc>
+                <a:tc>
+                  <a:txBody>
+                    <a:bodyPr/>
+                    <a:lstStyle/>
+                    <a:p>
+                      <a:pPr algn="ctr"/>
+                      <a:r>
+                        <a:rPr lang="en-US" sz="2400" dirty="0">
+                          <a:solidFill>
+                            <a:schemeClr val="bg1"/>
+                          </a:solidFill>
+                        </a:rPr>
+                        <a:t>3 min</a:t>
+                      </a:r>
+                    </a:p>
+                  </a:txBody>
+                  <a:tcPr>
+                    <a:lnL w="12700" cap="flat" cmpd="sng" algn="ctr">
+                      <a:solidFill>
+                        <a:schemeClr val="tx1"/>
+                      </a:solidFill>
+                      <a:prstDash val="solid"/>
+                      <a:round/>
+                      <a:headEnd type="none" w="med" len="med"/>
+                      <a:tailEnd type="none" w="med" len="med"/>
+                    </a:lnL>
+                    <a:lnR w="12700" cap="flat" cmpd="sng" algn="ctr">
+                      <a:solidFill>
+                        <a:schemeClr val="tx1"/>
+                      </a:solidFill>
+                      <a:prstDash val="solid"/>
+                      <a:round/>
+                      <a:headEnd type="none" w="med" len="med"/>
+                      <a:tailEnd type="none" w="med" len="med"/>
+                    </a:lnR>
+                    <a:lnT w="12700" cap="flat" cmpd="sng" algn="ctr">
+                      <a:solidFill>
+                        <a:schemeClr val="tx1"/>
+                      </a:solidFill>
+                      <a:prstDash val="solid"/>
+                      <a:round/>
+                      <a:headEnd type="none" w="med" len="med"/>
+                      <a:tailEnd type="none" w="med" len="med"/>
+                    </a:lnT>
+                    <a:lnB w="12700" cap="flat" cmpd="sng" algn="ctr">
+                      <a:solidFill>
+                        <a:schemeClr val="tx1"/>
+                      </a:solidFill>
+                      <a:prstDash val="solid"/>
+                      <a:round/>
+                      <a:headEnd type="none" w="med" len="med"/>
+                      <a:tailEnd type="none" w="med" len="med"/>
+                    </a:lnB>
+                    <a:solidFill>
+                      <a:schemeClr val="accent5">
+                        <a:lumMod val="75000"/>
+                      </a:schemeClr>
+                    </a:solidFill>
+                  </a:tcPr>
+                </a:tc>
+                <a:tc>
+                  <a:txBody>
+                    <a:bodyPr/>
+                    <a:lstStyle/>
+                    <a:p>
+                      <a:pPr algn="ctr"/>
+                      <a:r>
+                        <a:rPr lang="en-US" sz="2400" dirty="0">
+                          <a:solidFill>
+                            <a:schemeClr val="bg1"/>
+                          </a:solidFill>
+                        </a:rPr>
+                        <a:t>17 min</a:t>
+                      </a:r>
+                    </a:p>
+                  </a:txBody>
+                  <a:tcPr>
+                    <a:lnL w="12700" cap="flat" cmpd="sng" algn="ctr">
+                      <a:solidFill>
+                        <a:schemeClr val="tx1"/>
+                      </a:solidFill>
+                      <a:prstDash val="solid"/>
+                      <a:round/>
+                      <a:headEnd type="none" w="med" len="med"/>
+                      <a:tailEnd type="none" w="med" len="med"/>
+                    </a:lnL>
+                    <a:lnR w="12700" cap="flat" cmpd="sng" algn="ctr">
+                      <a:solidFill>
+                        <a:schemeClr val="tx1"/>
+                      </a:solidFill>
+                      <a:prstDash val="solid"/>
+                      <a:round/>
+                      <a:headEnd type="none" w="med" len="med"/>
+                      <a:tailEnd type="none" w="med" len="med"/>
+                    </a:lnR>
+                    <a:lnT w="12700" cap="flat" cmpd="sng" algn="ctr">
+                      <a:solidFill>
+                        <a:schemeClr val="tx1"/>
+                      </a:solidFill>
+                      <a:prstDash val="solid"/>
+                      <a:round/>
+                      <a:headEnd type="none" w="med" len="med"/>
+                      <a:tailEnd type="none" w="med" len="med"/>
+                    </a:lnT>
+                    <a:lnB w="12700" cap="flat" cmpd="sng" algn="ctr">
+                      <a:solidFill>
+                        <a:schemeClr val="tx1"/>
+                      </a:solidFill>
+                      <a:prstDash val="solid"/>
+                      <a:round/>
+                      <a:headEnd type="none" w="med" len="med"/>
+                      <a:tailEnd type="none" w="med" len="med"/>
+                    </a:lnB>
+                    <a:solidFill>
+                      <a:schemeClr val="accent5">
+                        <a:lumMod val="75000"/>
+                      </a:schemeClr>
+                    </a:solidFill>
+                  </a:tcPr>
+                </a:tc>
+                <a:extLst>
+                  <a:ext uri="{0D108BD9-81ED-4DB2-BD59-A6C34878D82A}">
+                    <a16:rowId xmlns:a16="http://schemas.microsoft.com/office/drawing/2014/main" val="3944171721"/>
+                  </a:ext>
+                </a:extLst>
+              </a:tr>
+            </a:tbl>
+          </a:graphicData>
+        </a:graphic>
+      </p:graphicFrame>
+    </p:spTree>
+    <p:extLst>
+      <p:ext uri="{BB962C8B-B14F-4D97-AF65-F5344CB8AC3E}">
+        <p14:creationId xmlns:p14="http://schemas.microsoft.com/office/powerpoint/2010/main" val="1550228134"/>
+      </p:ext>
+    </p:extLst>
+  </p:cSld>
+  <p:clrMapOvr>
+    <a:masterClrMapping/>
+  </p:clrMapOvr>
+</p:sld>
+</file>
+
+<file path=ppt/slides/slide23.xml><?xml version="1.0" encoding="utf-8"?>
+<p:sld xmlns:a="http://schemas.openxmlformats.org/drawingml/2006/main" xmlns:r="http://schemas.openxmlformats.org/officeDocument/2006/relationships" xmlns:p="http://schemas.openxmlformats.org/presentationml/2006/main">
+  <p:cSld>
+    <p:bg>
+      <p:bgPr>
+        <a:solidFill>
+          <a:schemeClr val="tx1">
+            <a:lumMod val="75000"/>
+            <a:lumOff val="25000"/>
+          </a:schemeClr>
+        </a:solidFill>
+        <a:effectLst/>
+      </p:bgPr>
+    </p:bg>
+    <p:spTree>
+      <p:nvGrpSpPr>
+        <p:cNvPr id="1" name=""/>
+        <p:cNvGrpSpPr/>
+        <p:nvPr/>
+      </p:nvGrpSpPr>
+      <p:grpSpPr>
+        <a:xfrm>
+          <a:off x="0" y="0"/>
+          <a:ext cx="0" cy="0"/>
+          <a:chOff x="0" y="0"/>
+          <a:chExt cx="0" cy="0"/>
+        </a:xfrm>
+      </p:grpSpPr>
+      <p:sp>
+        <p:nvSpPr>
+          <p:cNvPr id="4" name="TextBox 3">
+            <a:extLst>
+              <a:ext uri="{FF2B5EF4-FFF2-40B4-BE49-F238E27FC236}">
                 <a16:creationId xmlns:a16="http://schemas.microsoft.com/office/drawing/2014/main" id="{4E21748D-8C66-304D-8579-4BE3E2C2995B}"/>
               </a:ext>
             </a:extLst>
@@ -15683,7 +17353,7 @@
 </p:sld>
 </file>
 
-<file path=ppt/slides/slide23.xml><?xml version="1.0" encoding="utf-8"?>
+<file path=ppt/slides/slide24.xml><?xml version="1.0" encoding="utf-8"?>
 <p:sld xmlns:a="http://schemas.openxmlformats.org/drawingml/2006/main" xmlns:r="http://schemas.openxmlformats.org/officeDocument/2006/relationships" xmlns:p="http://schemas.openxmlformats.org/presentationml/2006/main">
   <p:cSld>
     <p:bg>
@@ -15757,7 +17427,7 @@
 </p:sld>
 </file>
 
-<file path=ppt/slides/slide24.xml><?xml version="1.0" encoding="utf-8"?>
+<file path=ppt/slides/slide25.xml><?xml version="1.0" encoding="utf-8"?>
 <p:sld xmlns:a="http://schemas.openxmlformats.org/drawingml/2006/main" xmlns:r="http://schemas.openxmlformats.org/officeDocument/2006/relationships" xmlns:p="http://schemas.openxmlformats.org/presentationml/2006/main">
   <p:cSld>
     <p:bg>
@@ -15831,7 +17501,7 @@
 </p:sld>
 </file>
 
-<file path=ppt/slides/slide25.xml><?xml version="1.0" encoding="utf-8"?>
+<file path=ppt/slides/slide26.xml><?xml version="1.0" encoding="utf-8"?>
 <p:sld xmlns:a="http://schemas.openxmlformats.org/drawingml/2006/main" xmlns:r="http://schemas.openxmlformats.org/officeDocument/2006/relationships" xmlns:p="http://schemas.openxmlformats.org/presentationml/2006/main">
   <p:cSld>
     <p:bg>
@@ -15905,7 +17575,7 @@
 </p:sld>
 </file>
 
-<file path=ppt/slides/slide26.xml><?xml version="1.0" encoding="utf-8"?>
+<file path=ppt/slides/slide27.xml><?xml version="1.0" encoding="utf-8"?>
 <p:sld xmlns:a="http://schemas.openxmlformats.org/drawingml/2006/main" xmlns:r="http://schemas.openxmlformats.org/officeDocument/2006/relationships" xmlns:p="http://schemas.openxmlformats.org/presentationml/2006/main">
   <p:cSld>
     <p:bg>
@@ -16162,7 +17832,7 @@
 </p:sld>
 </file>
 
-<file path=ppt/slides/slide27.xml><?xml version="1.0" encoding="utf-8"?>
+<file path=ppt/slides/slide28.xml><?xml version="1.0" encoding="utf-8"?>
 <p:sld xmlns:a="http://schemas.openxmlformats.org/drawingml/2006/main" xmlns:r="http://schemas.openxmlformats.org/officeDocument/2006/relationships" xmlns:p="http://schemas.openxmlformats.org/presentationml/2006/main">
   <p:cSld>
     <p:bg>
@@ -16435,7 +18105,7 @@
 </p:sld>
 </file>
 
-<file path=ppt/slides/slide28.xml><?xml version="1.0" encoding="utf-8"?>
+<file path=ppt/slides/slide29.xml><?xml version="1.0" encoding="utf-8"?>
 <p:sld xmlns:a="http://schemas.openxmlformats.org/drawingml/2006/main" xmlns:r="http://schemas.openxmlformats.org/officeDocument/2006/relationships" xmlns:p="http://schemas.openxmlformats.org/presentationml/2006/main">
   <p:cSld>
     <p:bg>
@@ -16877,7 +18547,142 @@
 </p:sld>
 </file>
 
-<file path=ppt/slides/slide29.xml><?xml version="1.0" encoding="utf-8"?>
+<file path=ppt/slides/slide3.xml><?xml version="1.0" encoding="utf-8"?>
+<p:sld xmlns:a="http://schemas.openxmlformats.org/drawingml/2006/main" xmlns:r="http://schemas.openxmlformats.org/officeDocument/2006/relationships" xmlns:p="http://schemas.openxmlformats.org/presentationml/2006/main">
+  <p:cSld>
+    <p:bg>
+      <p:bgPr>
+        <a:solidFill>
+          <a:schemeClr val="tx1">
+            <a:lumMod val="75000"/>
+            <a:lumOff val="25000"/>
+          </a:schemeClr>
+        </a:solidFill>
+        <a:effectLst/>
+      </p:bgPr>
+    </p:bg>
+    <p:spTree>
+      <p:nvGrpSpPr>
+        <p:cNvPr id="1" name=""/>
+        <p:cNvGrpSpPr/>
+        <p:nvPr/>
+      </p:nvGrpSpPr>
+      <p:grpSpPr>
+        <a:xfrm>
+          <a:off x="0" y="0"/>
+          <a:ext cx="0" cy="0"/>
+          <a:chOff x="0" y="0"/>
+          <a:chExt cx="0" cy="0"/>
+        </a:xfrm>
+      </p:grpSpPr>
+      <p:sp>
+        <p:nvSpPr>
+          <p:cNvPr id="2" name="Title 1"/>
+          <p:cNvSpPr>
+            <a:spLocks noGrp="1"/>
+          </p:cNvSpPr>
+          <p:nvPr>
+            <p:ph type="title"/>
+          </p:nvPr>
+        </p:nvSpPr>
+        <p:spPr/>
+        <p:txBody>
+          <a:bodyPr/>
+          <a:lstStyle/>
+          <a:p>
+            <a:r>
+              <a:rPr lang="en-US" b="1" u="sng" dirty="0">
+                <a:solidFill>
+                  <a:schemeClr val="bg1"/>
+                </a:solidFill>
+              </a:rPr>
+              <a:t>GOALS</a:t>
+            </a:r>
+          </a:p>
+        </p:txBody>
+      </p:sp>
+      <p:sp>
+        <p:nvSpPr>
+          <p:cNvPr id="3" name="Content Placeholder 2"/>
+          <p:cNvSpPr>
+            <a:spLocks noGrp="1"/>
+          </p:cNvSpPr>
+          <p:nvPr>
+            <p:ph idx="1"/>
+          </p:nvPr>
+        </p:nvSpPr>
+        <p:spPr>
+          <a:xfrm>
+            <a:off x="838200" y="1584960"/>
+            <a:ext cx="6101080" cy="4714240"/>
+          </a:xfrm>
+        </p:spPr>
+        <p:txBody>
+          <a:bodyPr>
+            <a:normAutofit/>
+          </a:bodyPr>
+          <a:lstStyle/>
+          <a:p>
+            <a:r>
+              <a:rPr lang="en-US" sz="3600" dirty="0">
+                <a:solidFill>
+                  <a:schemeClr val="bg1"/>
+                </a:solidFill>
+              </a:rPr>
+              <a:t> To provide accurate information for medical professionals from over around 33000 published papers and articles in different journals from all around the world using classification algorithms to identify them as useful or not useful.</a:t>
+            </a:r>
+            <a:endParaRPr lang="en-US" dirty="0">
+              <a:solidFill>
+                <a:schemeClr val="bg1"/>
+              </a:solidFill>
+            </a:endParaRPr>
+          </a:p>
+        </p:txBody>
+      </p:sp>
+      <p:pic>
+        <p:nvPicPr>
+          <p:cNvPr id="4" name="Picture 3"/>
+          <p:cNvPicPr>
+            <a:picLocks noChangeAspect="1"/>
+          </p:cNvPicPr>
+          <p:nvPr/>
+        </p:nvPicPr>
+        <p:blipFill>
+          <a:blip r:embed="rId2" cstate="print">
+            <a:extLst>
+              <a:ext uri="{28A0092B-C50C-407E-A947-70E740481C1C}">
+                <a14:useLocalDpi xmlns:a14="http://schemas.microsoft.com/office/drawing/2010/main" val="0"/>
+              </a:ext>
+            </a:extLst>
+          </a:blip>
+          <a:stretch>
+            <a:fillRect/>
+          </a:stretch>
+        </p:blipFill>
+        <p:spPr>
+          <a:xfrm>
+            <a:off x="6939280" y="1910080"/>
+            <a:ext cx="5080000" cy="3901440"/>
+          </a:xfrm>
+          <a:prstGeom prst="rect">
+            <a:avLst/>
+          </a:prstGeom>
+        </p:spPr>
+      </p:pic>
+    </p:spTree>
+    <p:extLst>
+      <p:ext uri="{BB962C8B-B14F-4D97-AF65-F5344CB8AC3E}">
+        <p14:creationId xmlns:p14="http://schemas.microsoft.com/office/powerpoint/2010/main" val="4166202452"/>
+      </p:ext>
+    </p:extLst>
+  </p:cSld>
+  <p:clrMapOvr>
+    <a:masterClrMapping/>
+  </p:clrMapOvr>
+</p:sld>
+</file>
+
+<file path=ppt/slides/slide30.xml><?xml version="1.0" encoding="utf-8"?>
 <p:sld xmlns:a="http://schemas.openxmlformats.org/drawingml/2006/main" xmlns:r="http://schemas.openxmlformats.org/officeDocument/2006/relationships" xmlns:p="http://schemas.openxmlformats.org/presentationml/2006/main">
   <p:cSld>
     <p:bg>
@@ -17325,141 +19130,6 @@
 </p:sld>
 </file>
 
-<file path=ppt/slides/slide3.xml><?xml version="1.0" encoding="utf-8"?>
-<p:sld xmlns:a="http://schemas.openxmlformats.org/drawingml/2006/main" xmlns:r="http://schemas.openxmlformats.org/officeDocument/2006/relationships" xmlns:p="http://schemas.openxmlformats.org/presentationml/2006/main">
-  <p:cSld>
-    <p:bg>
-      <p:bgPr>
-        <a:solidFill>
-          <a:schemeClr val="tx1">
-            <a:lumMod val="75000"/>
-            <a:lumOff val="25000"/>
-          </a:schemeClr>
-        </a:solidFill>
-        <a:effectLst/>
-      </p:bgPr>
-    </p:bg>
-    <p:spTree>
-      <p:nvGrpSpPr>
-        <p:cNvPr id="1" name=""/>
-        <p:cNvGrpSpPr/>
-        <p:nvPr/>
-      </p:nvGrpSpPr>
-      <p:grpSpPr>
-        <a:xfrm>
-          <a:off x="0" y="0"/>
-          <a:ext cx="0" cy="0"/>
-          <a:chOff x="0" y="0"/>
-          <a:chExt cx="0" cy="0"/>
-        </a:xfrm>
-      </p:grpSpPr>
-      <p:sp>
-        <p:nvSpPr>
-          <p:cNvPr id="2" name="Title 1"/>
-          <p:cNvSpPr>
-            <a:spLocks noGrp="1"/>
-          </p:cNvSpPr>
-          <p:nvPr>
-            <p:ph type="title"/>
-          </p:nvPr>
-        </p:nvSpPr>
-        <p:spPr/>
-        <p:txBody>
-          <a:bodyPr/>
-          <a:lstStyle/>
-          <a:p>
-            <a:r>
-              <a:rPr lang="en-US" b="1" u="sng" dirty="0">
-                <a:solidFill>
-                  <a:schemeClr val="bg1"/>
-                </a:solidFill>
-              </a:rPr>
-              <a:t>GOALS</a:t>
-            </a:r>
-          </a:p>
-        </p:txBody>
-      </p:sp>
-      <p:sp>
-        <p:nvSpPr>
-          <p:cNvPr id="3" name="Content Placeholder 2"/>
-          <p:cNvSpPr>
-            <a:spLocks noGrp="1"/>
-          </p:cNvSpPr>
-          <p:nvPr>
-            <p:ph idx="1"/>
-          </p:nvPr>
-        </p:nvSpPr>
-        <p:spPr>
-          <a:xfrm>
-            <a:off x="838200" y="1584960"/>
-            <a:ext cx="6101080" cy="4714240"/>
-          </a:xfrm>
-        </p:spPr>
-        <p:txBody>
-          <a:bodyPr>
-            <a:normAutofit/>
-          </a:bodyPr>
-          <a:lstStyle/>
-          <a:p>
-            <a:r>
-              <a:rPr lang="en-US" sz="3600" dirty="0">
-                <a:solidFill>
-                  <a:schemeClr val="bg1"/>
-                </a:solidFill>
-              </a:rPr>
-              <a:t> To provide accurate information for medical professionals from over around 33000 published papers and articles in different journals from all around the world using classification algorithms to identify them as useful or not useful.</a:t>
-            </a:r>
-            <a:endParaRPr lang="en-US" dirty="0">
-              <a:solidFill>
-                <a:schemeClr val="bg1"/>
-              </a:solidFill>
-            </a:endParaRPr>
-          </a:p>
-        </p:txBody>
-      </p:sp>
-      <p:pic>
-        <p:nvPicPr>
-          <p:cNvPr id="4" name="Picture 3"/>
-          <p:cNvPicPr>
-            <a:picLocks noChangeAspect="1"/>
-          </p:cNvPicPr>
-          <p:nvPr/>
-        </p:nvPicPr>
-        <p:blipFill>
-          <a:blip r:embed="rId2" cstate="print">
-            <a:extLst>
-              <a:ext uri="{28A0092B-C50C-407E-A947-70E740481C1C}">
-                <a14:useLocalDpi xmlns:a14="http://schemas.microsoft.com/office/drawing/2010/main" val="0"/>
-              </a:ext>
-            </a:extLst>
-          </a:blip>
-          <a:stretch>
-            <a:fillRect/>
-          </a:stretch>
-        </p:blipFill>
-        <p:spPr>
-          <a:xfrm>
-            <a:off x="6939280" y="1910080"/>
-            <a:ext cx="5080000" cy="3901440"/>
-          </a:xfrm>
-          <a:prstGeom prst="rect">
-            <a:avLst/>
-          </a:prstGeom>
-        </p:spPr>
-      </p:pic>
-    </p:spTree>
-    <p:extLst>
-      <p:ext uri="{BB962C8B-B14F-4D97-AF65-F5344CB8AC3E}">
-        <p14:creationId xmlns:p14="http://schemas.microsoft.com/office/powerpoint/2010/main" val="4166202452"/>
-      </p:ext>
-    </p:extLst>
-  </p:cSld>
-  <p:clrMapOvr>
-    <a:masterClrMapping/>
-  </p:clrMapOvr>
-</p:sld>
-</file>
-
 <file path=ppt/slides/slide4.xml><?xml version="1.0" encoding="utf-8"?>
 <p:sld xmlns:a="http://schemas.openxmlformats.org/drawingml/2006/main" xmlns:r="http://schemas.openxmlformats.org/officeDocument/2006/relationships" xmlns:p="http://schemas.openxmlformats.org/presentationml/2006/main">
   <p:cSld>
@@ -17670,7 +19340,7 @@
           <p:nvPr>
             <p:extLst>
               <p:ext uri="{D42A27DB-BD31-4B8C-83A1-F6EECF244321}">
-                <p14:modId xmlns:p14="http://schemas.microsoft.com/office/powerpoint/2010/main" val="4283925546"/>
+                <p14:modId xmlns:p14="http://schemas.microsoft.com/office/powerpoint/2010/main" val="1655690797"/>
               </p:ext>
             </p:extLst>
           </p:nvPr>
@@ -18058,7 +19728,7 @@
           <p:nvPr>
             <p:extLst>
               <p:ext uri="{D42A27DB-BD31-4B8C-83A1-F6EECF244321}">
-                <p14:modId xmlns:p14="http://schemas.microsoft.com/office/powerpoint/2010/main" val="3055289683"/>
+                <p14:modId xmlns:p14="http://schemas.microsoft.com/office/powerpoint/2010/main" val="2451072578"/>
               </p:ext>
             </p:extLst>
           </p:nvPr>
@@ -18090,7 +19760,7 @@
                     <a:p>
                       <a:pPr algn="ctr"/>
                       <a:r>
-                        <a:rPr lang="en-US" sz="2800" b="0" dirty="0">
+                        <a:rPr lang="en-US" b="0" dirty="0">
                           <a:solidFill>
                             <a:schemeClr val="tx1"/>
                           </a:solidFill>
@@ -18102,7 +19772,7 @@
                   <a:tcPr>
                     <a:solidFill>
                       <a:schemeClr val="bg1">
-                        <a:lumMod val="75000"/>
+                        <a:lumMod val="65000"/>
                       </a:schemeClr>
                     </a:solidFill>
                   </a:tcPr>
@@ -19391,7 +21061,7 @@
               <a:buNone/>
             </a:pPr>
             <a:r>
-              <a:rPr lang="en-US" b="1" dirty="0">
+              <a:rPr lang="en-US" b="1" u="sng" dirty="0">
                 <a:solidFill>
                   <a:schemeClr val="accent1">
                     <a:lumMod val="75000"/>
@@ -19472,7 +21142,7 @@
               <a:buNone/>
             </a:pPr>
             <a:r>
-              <a:rPr lang="en-US" b="1" dirty="0">
+              <a:rPr lang="en-US" b="1" u="sng" dirty="0">
                 <a:solidFill>
                   <a:schemeClr val="accent1">
                     <a:lumMod val="75000"/>

--- a/CIS5560.pptx
+++ b/CIS5560.pptx
@@ -15591,7 +15591,7 @@
           <p:nvPr>
             <p:extLst>
               <p:ext uri="{D42A27DB-BD31-4B8C-83A1-F6EECF244321}">
-                <p14:modId xmlns:p14="http://schemas.microsoft.com/office/powerpoint/2010/main" val="761197045"/>
+                <p14:modId xmlns:p14="http://schemas.microsoft.com/office/powerpoint/2010/main" val="1598191639"/>
               </p:ext>
             </p:extLst>
           </p:nvPr>
@@ -17102,12 +17102,20 @@
                     <a:p>
                       <a:pPr algn="ctr"/>
                       <a:r>
+                        <a:rPr lang="en-US" sz="2400">
+                          <a:solidFill>
+                            <a:schemeClr val="bg1"/>
+                          </a:solidFill>
+                        </a:rPr>
+                        <a:t>7 </a:t>
+                      </a:r>
+                      <a:r>
                         <a:rPr lang="en-US" sz="2400" dirty="0">
                           <a:solidFill>
                             <a:schemeClr val="bg1"/>
                           </a:solidFill>
                         </a:rPr>
-                        <a:t>17 min</a:t>
+                        <a:t>min</a:t>
                       </a:r>
                     </a:p>
                   </a:txBody>

--- a/CIS5560.pptx
+++ b/CIS5560.pptx
@@ -3719,7 +3719,7 @@
           <a:p>
             <a:fld id="{4848161F-BB0F-664C-A339-4A116E607033}" type="datetimeFigureOut">
               <a:rPr lang="en-US" smtClean="0"/>
-              <a:t>5/11/20</a:t>
+              <a:t>5/17/20</a:t>
             </a:fld>
             <a:endParaRPr lang="en-US" dirty="0"/>
           </a:p>
@@ -4199,7 +4199,7 @@
           <a:p>
             <a:fld id="{84A6DE37-3025-4CB9-B4E9-C46ED5ED8F3E}" type="datetimeFigureOut">
               <a:rPr lang="en-US" smtClean="0"/>
-              <a:t>5/11/20</a:t>
+              <a:t>5/17/20</a:t>
             </a:fld>
             <a:endParaRPr lang="en-US" dirty="0"/>
           </a:p>
@@ -4367,7 +4367,7 @@
           <a:p>
             <a:fld id="{84A6DE37-3025-4CB9-B4E9-C46ED5ED8F3E}" type="datetimeFigureOut">
               <a:rPr lang="en-US" smtClean="0"/>
-              <a:t>5/11/20</a:t>
+              <a:t>5/17/20</a:t>
             </a:fld>
             <a:endParaRPr lang="en-US" dirty="0"/>
           </a:p>
@@ -4545,7 +4545,7 @@
           <a:p>
             <a:fld id="{84A6DE37-3025-4CB9-B4E9-C46ED5ED8F3E}" type="datetimeFigureOut">
               <a:rPr lang="en-US" smtClean="0"/>
-              <a:t>5/11/20</a:t>
+              <a:t>5/17/20</a:t>
             </a:fld>
             <a:endParaRPr lang="en-US" dirty="0"/>
           </a:p>
@@ -4713,7 +4713,7 @@
           <a:p>
             <a:fld id="{84A6DE37-3025-4CB9-B4E9-C46ED5ED8F3E}" type="datetimeFigureOut">
               <a:rPr lang="en-US" smtClean="0"/>
-              <a:t>5/11/20</a:t>
+              <a:t>5/17/20</a:t>
             </a:fld>
             <a:endParaRPr lang="en-US" dirty="0"/>
           </a:p>
@@ -4958,7 +4958,7 @@
           <a:p>
             <a:fld id="{84A6DE37-3025-4CB9-B4E9-C46ED5ED8F3E}" type="datetimeFigureOut">
               <a:rPr lang="en-US" smtClean="0"/>
-              <a:t>5/11/20</a:t>
+              <a:t>5/17/20</a:t>
             </a:fld>
             <a:endParaRPr lang="en-US" dirty="0"/>
           </a:p>
@@ -5187,7 +5187,7 @@
           <a:p>
             <a:fld id="{84A6DE37-3025-4CB9-B4E9-C46ED5ED8F3E}" type="datetimeFigureOut">
               <a:rPr lang="en-US" smtClean="0"/>
-              <a:t>5/11/20</a:t>
+              <a:t>5/17/20</a:t>
             </a:fld>
             <a:endParaRPr lang="en-US" dirty="0"/>
           </a:p>
@@ -5551,7 +5551,7 @@
           <a:p>
             <a:fld id="{84A6DE37-3025-4CB9-B4E9-C46ED5ED8F3E}" type="datetimeFigureOut">
               <a:rPr lang="en-US" smtClean="0"/>
-              <a:t>5/11/20</a:t>
+              <a:t>5/17/20</a:t>
             </a:fld>
             <a:endParaRPr lang="en-US" dirty="0"/>
           </a:p>
@@ -5668,7 +5668,7 @@
           <a:p>
             <a:fld id="{84A6DE37-3025-4CB9-B4E9-C46ED5ED8F3E}" type="datetimeFigureOut">
               <a:rPr lang="en-US" smtClean="0"/>
-              <a:t>5/11/20</a:t>
+              <a:t>5/17/20</a:t>
             </a:fld>
             <a:endParaRPr lang="en-US" dirty="0"/>
           </a:p>
@@ -5763,7 +5763,7 @@
           <a:p>
             <a:fld id="{84A6DE37-3025-4CB9-B4E9-C46ED5ED8F3E}" type="datetimeFigureOut">
               <a:rPr lang="en-US" smtClean="0"/>
-              <a:t>5/11/20</a:t>
+              <a:t>5/17/20</a:t>
             </a:fld>
             <a:endParaRPr lang="en-US" dirty="0"/>
           </a:p>
@@ -6038,7 +6038,7 @@
           <a:p>
             <a:fld id="{84A6DE37-3025-4CB9-B4E9-C46ED5ED8F3E}" type="datetimeFigureOut">
               <a:rPr lang="en-US" smtClean="0"/>
-              <a:t>5/11/20</a:t>
+              <a:t>5/17/20</a:t>
             </a:fld>
             <a:endParaRPr lang="en-US" dirty="0"/>
           </a:p>
@@ -6290,7 +6290,7 @@
           <a:p>
             <a:fld id="{84A6DE37-3025-4CB9-B4E9-C46ED5ED8F3E}" type="datetimeFigureOut">
               <a:rPr lang="en-US" smtClean="0"/>
-              <a:t>5/11/20</a:t>
+              <a:t>5/17/20</a:t>
             </a:fld>
             <a:endParaRPr lang="en-US" dirty="0"/>
           </a:p>
@@ -6501,7 +6501,7 @@
           <a:p>
             <a:fld id="{84A6DE37-3025-4CB9-B4E9-C46ED5ED8F3E}" type="datetimeFigureOut">
               <a:rPr lang="en-US" smtClean="0"/>
-              <a:t>5/11/20</a:t>
+              <a:t>5/17/20</a:t>
             </a:fld>
             <a:endParaRPr lang="en-US" dirty="0"/>
           </a:p>
@@ -15591,14 +15591,14 @@
           <p:nvPr>
             <p:extLst>
               <p:ext uri="{D42A27DB-BD31-4B8C-83A1-F6EECF244321}">
-                <p14:modId xmlns:p14="http://schemas.microsoft.com/office/powerpoint/2010/main" val="1598191639"/>
+                <p14:modId xmlns:p14="http://schemas.microsoft.com/office/powerpoint/2010/main" val="1162269282"/>
               </p:ext>
             </p:extLst>
           </p:nvPr>
         </p:nvGraphicFramePr>
         <p:xfrm>
-          <a:off x="251187" y="796333"/>
-          <a:ext cx="11540319" cy="5657628"/>
+          <a:off x="558141" y="796332"/>
+          <a:ext cx="11233366" cy="5877798"/>
         </p:xfrm>
         <a:graphic>
           <a:graphicData uri="http://schemas.openxmlformats.org/drawingml/2006/table">
@@ -15607,35 +15607,49 @@
                 <a:tableStyleId>{93296810-A885-4BE3-A3E7-6D5BEEA58F35}</a:tableStyleId>
               </a:tblPr>
               <a:tblGrid>
-                <a:gridCol w="2309073">
+                <a:gridCol w="1605268">
                   <a:extLst>
                     <a:ext uri="{9D8B030D-6E8A-4147-A177-3AD203B41FA5}">
                       <a16:colId xmlns:a16="http://schemas.microsoft.com/office/drawing/2014/main" val="1747684755"/>
                     </a:ext>
                   </a:extLst>
                 </a:gridCol>
-                <a:gridCol w="2309073">
+                <a:gridCol w="1605268">
+                  <a:extLst>
+                    <a:ext uri="{9D8B030D-6E8A-4147-A177-3AD203B41FA5}">
+                      <a16:colId xmlns:a16="http://schemas.microsoft.com/office/drawing/2014/main" val="321614585"/>
+                    </a:ext>
+                  </a:extLst>
+                </a:gridCol>
+                <a:gridCol w="1605268">
+                  <a:extLst>
+                    <a:ext uri="{9D8B030D-6E8A-4147-A177-3AD203B41FA5}">
+                      <a16:colId xmlns:a16="http://schemas.microsoft.com/office/drawing/2014/main" val="1486534188"/>
+                    </a:ext>
+                  </a:extLst>
+                </a:gridCol>
+                <a:gridCol w="1605268">
                   <a:extLst>
                     <a:ext uri="{9D8B030D-6E8A-4147-A177-3AD203B41FA5}">
                       <a16:colId xmlns:a16="http://schemas.microsoft.com/office/drawing/2014/main" val="2305325753"/>
                     </a:ext>
                   </a:extLst>
                 </a:gridCol>
-                <a:gridCol w="2307391">
+                <a:gridCol w="1604098">
                   <a:extLst>
                     <a:ext uri="{9D8B030D-6E8A-4147-A177-3AD203B41FA5}">
                       <a16:colId xmlns:a16="http://schemas.microsoft.com/office/drawing/2014/main" val="3953993335"/>
                     </a:ext>
                   </a:extLst>
                 </a:gridCol>
-                <a:gridCol w="2307391">
+                <a:gridCol w="1604098">
                   <a:extLst>
                     <a:ext uri="{9D8B030D-6E8A-4147-A177-3AD203B41FA5}">
                       <a16:colId xmlns:a16="http://schemas.microsoft.com/office/drawing/2014/main" val="1455570164"/>
                     </a:ext>
                   </a:extLst>
                 </a:gridCol>
-                <a:gridCol w="2307391">
+                <a:gridCol w="1604098">
                   <a:extLst>
                     <a:ext uri="{9D8B030D-6E8A-4147-A177-3AD203B41FA5}">
                       <a16:colId xmlns:a16="http://schemas.microsoft.com/office/drawing/2014/main" val="1583911286"/>
@@ -15643,7 +15657,7 @@
                   </a:extLst>
                 </a:gridCol>
               </a:tblGrid>
-              <a:tr h="2308116">
+              <a:tr h="2000795">
                 <a:tc>
                   <a:txBody>
                     <a:bodyPr/>
@@ -15705,8 +15719,12 @@
                     <a:p>
                       <a:pPr algn="ctr"/>
                       <a:r>
-                        <a:rPr lang="en-US" sz="2400" dirty="0"/>
-                        <a:t>Logistic Regression</a:t>
+                        <a:rPr lang="en-US" sz="2400" dirty="0">
+                          <a:solidFill>
+                            <a:schemeClr val="bg1"/>
+                          </a:solidFill>
+                        </a:rPr>
+                        <a:t>k-means</a:t>
                       </a:r>
                     </a:p>
                   </a:txBody>
@@ -15759,8 +15777,12 @@
                     <a:p>
                       <a:pPr algn="ctr"/>
                       <a:r>
-                        <a:rPr lang="en-US" sz="2400" dirty="0"/>
-                        <a:t>Decision Forest</a:t>
+                        <a:rPr lang="en-US" sz="2400" dirty="0">
+                          <a:solidFill>
+                            <a:schemeClr val="bg1"/>
+                          </a:solidFill>
+                        </a:rPr>
+                        <a:t>Bisecting k-means</a:t>
                       </a:r>
                     </a:p>
                   </a:txBody>
@@ -15813,8 +15835,12 @@
                     <a:p>
                       <a:pPr algn="ctr"/>
                       <a:r>
-                        <a:rPr lang="en-US" sz="2400" dirty="0"/>
-                        <a:t>Naive Bayes</a:t>
+                        <a:rPr lang="en-US" sz="2400" dirty="0">
+                          <a:solidFill>
+                            <a:schemeClr val="bg1"/>
+                          </a:solidFill>
+                        </a:rPr>
+                        <a:t>Logistic Regression</a:t>
                       </a:r>
                     </a:p>
                   </a:txBody>
@@ -15867,7 +15893,127 @@
                     <a:p>
                       <a:pPr algn="ctr"/>
                       <a:r>
-                        <a:rPr lang="en-US" sz="2400" dirty="0"/>
+                        <a:rPr lang="en-US" sz="2400" dirty="0">
+                          <a:solidFill>
+                            <a:schemeClr val="bg1"/>
+                          </a:solidFill>
+                        </a:rPr>
+                        <a:t>Decision Forest</a:t>
+                      </a:r>
+                    </a:p>
+                  </a:txBody>
+                  <a:tcPr>
+                    <a:lnL w="12700" cap="flat" cmpd="sng" algn="ctr">
+                      <a:solidFill>
+                        <a:schemeClr val="tx1"/>
+                      </a:solidFill>
+                      <a:prstDash val="solid"/>
+                      <a:round/>
+                      <a:headEnd type="none" w="med" len="med"/>
+                      <a:tailEnd type="none" w="med" len="med"/>
+                    </a:lnL>
+                    <a:lnR w="12700" cap="flat" cmpd="sng" algn="ctr">
+                      <a:solidFill>
+                        <a:schemeClr val="tx1"/>
+                      </a:solidFill>
+                      <a:prstDash val="solid"/>
+                      <a:round/>
+                      <a:headEnd type="none" w="med" len="med"/>
+                      <a:tailEnd type="none" w="med" len="med"/>
+                    </a:lnR>
+                    <a:lnT w="12700" cap="flat" cmpd="sng" algn="ctr">
+                      <a:solidFill>
+                        <a:schemeClr val="tx1"/>
+                      </a:solidFill>
+                      <a:prstDash val="solid"/>
+                      <a:round/>
+                      <a:headEnd type="none" w="med" len="med"/>
+                      <a:tailEnd type="none" w="med" len="med"/>
+                    </a:lnT>
+                    <a:lnB w="12700" cap="flat" cmpd="sng" algn="ctr">
+                      <a:solidFill>
+                        <a:schemeClr val="tx1"/>
+                      </a:solidFill>
+                      <a:prstDash val="solid"/>
+                      <a:round/>
+                      <a:headEnd type="none" w="med" len="med"/>
+                      <a:tailEnd type="none" w="med" len="med"/>
+                    </a:lnB>
+                    <a:solidFill>
+                      <a:schemeClr val="tx1"/>
+                    </a:solidFill>
+                  </a:tcPr>
+                </a:tc>
+                <a:tc>
+                  <a:txBody>
+                    <a:bodyPr/>
+                    <a:lstStyle/>
+                    <a:p>
+                      <a:pPr algn="ctr"/>
+                      <a:r>
+                        <a:rPr lang="en-US" sz="2400" dirty="0">
+                          <a:solidFill>
+                            <a:schemeClr val="bg1"/>
+                          </a:solidFill>
+                        </a:rPr>
+                        <a:t>Naive Bayes</a:t>
+                      </a:r>
+                    </a:p>
+                  </a:txBody>
+                  <a:tcPr>
+                    <a:lnL w="12700" cap="flat" cmpd="sng" algn="ctr">
+                      <a:solidFill>
+                        <a:schemeClr val="tx1"/>
+                      </a:solidFill>
+                      <a:prstDash val="solid"/>
+                      <a:round/>
+                      <a:headEnd type="none" w="med" len="med"/>
+                      <a:tailEnd type="none" w="med" len="med"/>
+                    </a:lnL>
+                    <a:lnR w="12700" cap="flat" cmpd="sng" algn="ctr">
+                      <a:solidFill>
+                        <a:schemeClr val="tx1"/>
+                      </a:solidFill>
+                      <a:prstDash val="solid"/>
+                      <a:round/>
+                      <a:headEnd type="none" w="med" len="med"/>
+                      <a:tailEnd type="none" w="med" len="med"/>
+                    </a:lnR>
+                    <a:lnT w="12700" cap="flat" cmpd="sng" algn="ctr">
+                      <a:solidFill>
+                        <a:schemeClr val="tx1"/>
+                      </a:solidFill>
+                      <a:prstDash val="solid"/>
+                      <a:round/>
+                      <a:headEnd type="none" w="med" len="med"/>
+                      <a:tailEnd type="none" w="med" len="med"/>
+                    </a:lnT>
+                    <a:lnB w="12700" cap="flat" cmpd="sng" algn="ctr">
+                      <a:solidFill>
+                        <a:schemeClr val="tx1"/>
+                      </a:solidFill>
+                      <a:prstDash val="solid"/>
+                      <a:round/>
+                      <a:headEnd type="none" w="med" len="med"/>
+                      <a:tailEnd type="none" w="med" len="med"/>
+                    </a:lnB>
+                    <a:solidFill>
+                      <a:schemeClr val="tx1"/>
+                    </a:solidFill>
+                  </a:tcPr>
+                </a:tc>
+                <a:tc>
+                  <a:txBody>
+                    <a:bodyPr/>
+                    <a:lstStyle/>
+                    <a:p>
+                      <a:pPr algn="ctr"/>
+                      <a:r>
+                        <a:rPr lang="en-US" sz="2400" dirty="0">
+                          <a:solidFill>
+                            <a:schemeClr val="bg1"/>
+                          </a:solidFill>
+                        </a:rPr>
                         <a:t>Random Forest Classifier &amp; Decision Forest Boosted</a:t>
                       </a:r>
                     </a:p>
@@ -15920,7 +16066,7 @@
                   </a:ext>
                 </a:extLst>
               </a:tr>
-              <a:tr h="705124">
+              <a:tr h="478875">
                 <a:tc rowSpan="2">
                   <a:txBody>
                     <a:bodyPr/>
@@ -15934,14 +16080,126 @@
                         </a:rPr>
                         <a:t>Oracle</a:t>
                       </a:r>
-                      <a:endParaRPr lang="en-US" sz="2400" dirty="0">
-                        <a:solidFill>
-                          <a:schemeClr val="accent6">
-                            <a:lumMod val="40000"/>
-                            <a:lumOff val="60000"/>
-                          </a:schemeClr>
-                        </a:solidFill>
-                      </a:endParaRPr>
+                    </a:p>
+                  </a:txBody>
+                  <a:tcPr>
+                    <a:lnL w="12700" cap="flat" cmpd="sng" algn="ctr">
+                      <a:solidFill>
+                        <a:schemeClr val="tx1"/>
+                      </a:solidFill>
+                      <a:prstDash val="solid"/>
+                      <a:round/>
+                      <a:headEnd type="none" w="med" len="med"/>
+                      <a:tailEnd type="none" w="med" len="med"/>
+                    </a:lnL>
+                    <a:lnR w="12700" cap="flat" cmpd="sng" algn="ctr">
+                      <a:solidFill>
+                        <a:schemeClr val="tx1"/>
+                      </a:solidFill>
+                      <a:prstDash val="solid"/>
+                      <a:round/>
+                      <a:headEnd type="none" w="med" len="med"/>
+                      <a:tailEnd type="none" w="med" len="med"/>
+                    </a:lnR>
+                    <a:lnT w="12700" cap="flat" cmpd="sng" algn="ctr">
+                      <a:solidFill>
+                        <a:schemeClr val="tx1"/>
+                      </a:solidFill>
+                      <a:prstDash val="solid"/>
+                      <a:round/>
+                      <a:headEnd type="none" w="med" len="med"/>
+                      <a:tailEnd type="none" w="med" len="med"/>
+                    </a:lnT>
+                    <a:lnB w="12700" cap="flat" cmpd="sng" algn="ctr">
+                      <a:solidFill>
+                        <a:schemeClr val="tx1"/>
+                      </a:solidFill>
+                      <a:prstDash val="solid"/>
+                      <a:round/>
+                      <a:headEnd type="none" w="med" len="med"/>
+                      <a:tailEnd type="none" w="med" len="med"/>
+                    </a:lnB>
+                    <a:solidFill>
+                      <a:schemeClr val="accent5">
+                        <a:lumMod val="75000"/>
+                      </a:schemeClr>
+                    </a:solidFill>
+                  </a:tcPr>
+                </a:tc>
+                <a:tc>
+                  <a:txBody>
+                    <a:bodyPr/>
+                    <a:lstStyle/>
+                    <a:p>
+                      <a:pPr algn="ctr"/>
+                      <a:r>
+                        <a:rPr lang="en-US" sz="2400" dirty="0">
+                          <a:solidFill>
+                            <a:schemeClr val="bg1"/>
+                          </a:solidFill>
+                        </a:rPr>
+                        <a:t>0.289</a:t>
+                      </a:r>
+                    </a:p>
+                  </a:txBody>
+                  <a:tcPr>
+                    <a:lnL w="12700" cap="flat" cmpd="sng" algn="ctr">
+                      <a:solidFill>
+                        <a:schemeClr val="tx1"/>
+                      </a:solidFill>
+                      <a:prstDash val="solid"/>
+                      <a:round/>
+                      <a:headEnd type="none" w="med" len="med"/>
+                      <a:tailEnd type="none" w="med" len="med"/>
+                    </a:lnL>
+                    <a:lnR w="12700" cap="flat" cmpd="sng" algn="ctr">
+                      <a:solidFill>
+                        <a:schemeClr val="tx1"/>
+                      </a:solidFill>
+                      <a:prstDash val="solid"/>
+                      <a:round/>
+                      <a:headEnd type="none" w="med" len="med"/>
+                      <a:tailEnd type="none" w="med" len="med"/>
+                    </a:lnR>
+                    <a:lnT w="12700" cap="flat" cmpd="sng" algn="ctr">
+                      <a:solidFill>
+                        <a:schemeClr val="tx1"/>
+                      </a:solidFill>
+                      <a:prstDash val="solid"/>
+                      <a:round/>
+                      <a:headEnd type="none" w="med" len="med"/>
+                      <a:tailEnd type="none" w="med" len="med"/>
+                    </a:lnT>
+                    <a:lnB w="12700" cap="flat" cmpd="sng" algn="ctr">
+                      <a:solidFill>
+                        <a:schemeClr val="tx1"/>
+                      </a:solidFill>
+                      <a:prstDash val="solid"/>
+                      <a:round/>
+                      <a:headEnd type="none" w="med" len="med"/>
+                      <a:tailEnd type="none" w="med" len="med"/>
+                    </a:lnB>
+                    <a:solidFill>
+                      <a:schemeClr val="accent5">
+                        <a:lumMod val="75000"/>
+                      </a:schemeClr>
+                    </a:solidFill>
+                  </a:tcPr>
+                </a:tc>
+                <a:tc>
+                  <a:txBody>
+                    <a:bodyPr/>
+                    <a:lstStyle/>
+                    <a:p>
+                      <a:pPr algn="ctr"/>
+                      <a:r>
+                        <a:rPr lang="en-US" sz="2400" dirty="0">
+                          <a:solidFill>
+                            <a:schemeClr val="bg1"/>
+                          </a:solidFill>
+                        </a:rPr>
+                        <a:t>0.232</a:t>
+                      </a:r>
                     </a:p>
                   </a:txBody>
                   <a:tcPr>
@@ -16234,7 +16492,7 @@
                   </a:ext>
                 </a:extLst>
               </a:tr>
-              <a:tr h="969632">
+              <a:tr h="658512">
                 <a:tc vMerge="1">
                   <a:txBody>
                     <a:bodyPr/>
@@ -16303,13 +16561,10 @@
                       <a:r>
                         <a:rPr lang="en-US" sz="2400" dirty="0">
                           <a:solidFill>
-                            <a:schemeClr val="accent6">
-                              <a:lumMod val="40000"/>
-                              <a:lumOff val="60000"/>
-                            </a:schemeClr>
+                            <a:schemeClr val="bg1"/>
                           </a:solidFill>
                         </a:rPr>
-                        <a:t>32 min</a:t>
+                        <a:t>2 min</a:t>
                       </a:r>
                     </a:p>
                   </a:txBody>
@@ -16366,13 +16621,10 @@
                       <a:r>
                         <a:rPr lang="en-US" sz="2400" dirty="0">
                           <a:solidFill>
-                            <a:schemeClr val="accent6">
-                              <a:lumMod val="40000"/>
-                              <a:lumOff val="60000"/>
-                            </a:schemeClr>
+                            <a:schemeClr val="bg1"/>
                           </a:solidFill>
                         </a:rPr>
-                        <a:t>45 min</a:t>
+                        <a:t>2 min</a:t>
                       </a:r>
                     </a:p>
                   </a:txBody>
@@ -16429,13 +16681,10 @@
                       <a:r>
                         <a:rPr lang="en-US" sz="2400" dirty="0">
                           <a:solidFill>
-                            <a:schemeClr val="accent6">
-                              <a:lumMod val="40000"/>
-                              <a:lumOff val="60000"/>
-                            </a:schemeClr>
+                            <a:schemeClr val="bg1"/>
                           </a:solidFill>
                         </a:rPr>
-                        <a:t>22 min</a:t>
+                        <a:t>32 min</a:t>
                       </a:r>
                     </a:p>
                   </a:txBody>
@@ -16492,10 +16741,127 @@
                       <a:r>
                         <a:rPr lang="en-US" sz="2400" dirty="0">
                           <a:solidFill>
-                            <a:schemeClr val="accent6">
-                              <a:lumMod val="40000"/>
-                              <a:lumOff val="60000"/>
-                            </a:schemeClr>
+                            <a:schemeClr val="bg1"/>
+                          </a:solidFill>
+                        </a:rPr>
+                        <a:t>45 min</a:t>
+                      </a:r>
+                    </a:p>
+                  </a:txBody>
+                  <a:tcPr>
+                    <a:lnL w="12700" cap="flat" cmpd="sng" algn="ctr">
+                      <a:solidFill>
+                        <a:schemeClr val="tx1"/>
+                      </a:solidFill>
+                      <a:prstDash val="solid"/>
+                      <a:round/>
+                      <a:headEnd type="none" w="med" len="med"/>
+                      <a:tailEnd type="none" w="med" len="med"/>
+                    </a:lnL>
+                    <a:lnR w="12700" cap="flat" cmpd="sng" algn="ctr">
+                      <a:solidFill>
+                        <a:schemeClr val="tx1"/>
+                      </a:solidFill>
+                      <a:prstDash val="solid"/>
+                      <a:round/>
+                      <a:headEnd type="none" w="med" len="med"/>
+                      <a:tailEnd type="none" w="med" len="med"/>
+                    </a:lnR>
+                    <a:lnT w="12700" cap="flat" cmpd="sng" algn="ctr">
+                      <a:solidFill>
+                        <a:schemeClr val="tx1"/>
+                      </a:solidFill>
+                      <a:prstDash val="solid"/>
+                      <a:round/>
+                      <a:headEnd type="none" w="med" len="med"/>
+                      <a:tailEnd type="none" w="med" len="med"/>
+                    </a:lnT>
+                    <a:lnB w="12700" cap="flat" cmpd="sng" algn="ctr">
+                      <a:solidFill>
+                        <a:schemeClr val="tx1"/>
+                      </a:solidFill>
+                      <a:prstDash val="solid"/>
+                      <a:round/>
+                      <a:headEnd type="none" w="med" len="med"/>
+                      <a:tailEnd type="none" w="med" len="med"/>
+                    </a:lnB>
+                    <a:solidFill>
+                      <a:schemeClr val="accent5">
+                        <a:lumMod val="75000"/>
+                      </a:schemeClr>
+                    </a:solidFill>
+                  </a:tcPr>
+                </a:tc>
+                <a:tc>
+                  <a:txBody>
+                    <a:bodyPr/>
+                    <a:lstStyle/>
+                    <a:p>
+                      <a:pPr algn="ctr"/>
+                      <a:r>
+                        <a:rPr lang="en-US" sz="2400" dirty="0">
+                          <a:solidFill>
+                            <a:schemeClr val="bg1"/>
+                          </a:solidFill>
+                        </a:rPr>
+                        <a:t>22 min</a:t>
+                      </a:r>
+                    </a:p>
+                  </a:txBody>
+                  <a:tcPr>
+                    <a:lnL w="12700" cap="flat" cmpd="sng" algn="ctr">
+                      <a:solidFill>
+                        <a:schemeClr val="tx1"/>
+                      </a:solidFill>
+                      <a:prstDash val="solid"/>
+                      <a:round/>
+                      <a:headEnd type="none" w="med" len="med"/>
+                      <a:tailEnd type="none" w="med" len="med"/>
+                    </a:lnL>
+                    <a:lnR w="12700" cap="flat" cmpd="sng" algn="ctr">
+                      <a:solidFill>
+                        <a:schemeClr val="tx1"/>
+                      </a:solidFill>
+                      <a:prstDash val="solid"/>
+                      <a:round/>
+                      <a:headEnd type="none" w="med" len="med"/>
+                      <a:tailEnd type="none" w="med" len="med"/>
+                    </a:lnR>
+                    <a:lnT w="12700" cap="flat" cmpd="sng" algn="ctr">
+                      <a:solidFill>
+                        <a:schemeClr val="tx1"/>
+                      </a:solidFill>
+                      <a:prstDash val="solid"/>
+                      <a:round/>
+                      <a:headEnd type="none" w="med" len="med"/>
+                      <a:tailEnd type="none" w="med" len="med"/>
+                    </a:lnT>
+                    <a:lnB w="12700" cap="flat" cmpd="sng" algn="ctr">
+                      <a:solidFill>
+                        <a:schemeClr val="tx1"/>
+                      </a:solidFill>
+                      <a:prstDash val="solid"/>
+                      <a:round/>
+                      <a:headEnd type="none" w="med" len="med"/>
+                      <a:tailEnd type="none" w="med" len="med"/>
+                    </a:lnB>
+                    <a:solidFill>
+                      <a:schemeClr val="accent5">
+                        <a:lumMod val="75000"/>
+                      </a:schemeClr>
+                    </a:solidFill>
+                  </a:tcPr>
+                </a:tc>
+                <a:tc>
+                  <a:txBody>
+                    <a:bodyPr/>
+                    <a:lstStyle/>
+                    <a:p>
+                      <a:pPr algn="ctr"/>
+                      <a:r>
+                        <a:rPr lang="en-US" sz="2400" dirty="0">
+                          <a:solidFill>
+                            <a:schemeClr val="bg1"/>
                           </a:solidFill>
                         </a:rPr>
                         <a:t>40 min</a:t>
@@ -16552,7 +16918,878 @@
                   </a:ext>
                 </a:extLst>
               </a:tr>
-              <a:tr h="969632">
+              <a:tr h="658512">
+                <a:tc rowSpan="2">
+                  <a:txBody>
+                    <a:bodyPr/>
+                    <a:lstStyle/>
+                    <a:p>
+                      <a:r>
+                        <a:rPr lang="en-US" sz="2400" dirty="0">
+                          <a:solidFill>
+                            <a:schemeClr val="bg1"/>
+                          </a:solidFill>
+                        </a:rPr>
+                        <a:t>Data</a:t>
+                      </a:r>
+                      <a:r>
+                        <a:rPr lang="en-US" sz="2400" dirty="0">
+                          <a:solidFill>
+                            <a:schemeClr val="accent6">
+                              <a:lumMod val="40000"/>
+                              <a:lumOff val="60000"/>
+                            </a:schemeClr>
+                          </a:solidFill>
+                        </a:rPr>
+                        <a:t> </a:t>
+                      </a:r>
+                      <a:r>
+                        <a:rPr lang="en-US" sz="2400" dirty="0">
+                          <a:solidFill>
+                            <a:schemeClr val="bg1"/>
+                          </a:solidFill>
+                        </a:rPr>
+                        <a:t>bricks</a:t>
+                      </a:r>
+                    </a:p>
+                  </a:txBody>
+                  <a:tcPr>
+                    <a:lnL w="12700" cap="flat" cmpd="sng" algn="ctr">
+                      <a:solidFill>
+                        <a:schemeClr val="tx1"/>
+                      </a:solidFill>
+                      <a:prstDash val="solid"/>
+                      <a:round/>
+                      <a:headEnd type="none" w="med" len="med"/>
+                      <a:tailEnd type="none" w="med" len="med"/>
+                    </a:lnL>
+                    <a:lnR w="12700" cap="flat" cmpd="sng" algn="ctr">
+                      <a:solidFill>
+                        <a:schemeClr val="tx1"/>
+                      </a:solidFill>
+                      <a:prstDash val="solid"/>
+                      <a:round/>
+                      <a:headEnd type="none" w="med" len="med"/>
+                      <a:tailEnd type="none" w="med" len="med"/>
+                    </a:lnR>
+                    <a:lnT w="12700" cap="flat" cmpd="sng" algn="ctr">
+                      <a:solidFill>
+                        <a:schemeClr val="tx1"/>
+                      </a:solidFill>
+                      <a:prstDash val="solid"/>
+                      <a:round/>
+                      <a:headEnd type="none" w="med" len="med"/>
+                      <a:tailEnd type="none" w="med" len="med"/>
+                    </a:lnT>
+                    <a:lnB w="12700" cap="flat" cmpd="sng" algn="ctr">
+                      <a:solidFill>
+                        <a:schemeClr val="tx1"/>
+                      </a:solidFill>
+                      <a:prstDash val="solid"/>
+                      <a:round/>
+                      <a:headEnd type="none" w="med" len="med"/>
+                      <a:tailEnd type="none" w="med" len="med"/>
+                    </a:lnB>
+                    <a:solidFill>
+                      <a:schemeClr val="accent5">
+                        <a:lumMod val="75000"/>
+                      </a:schemeClr>
+                    </a:solidFill>
+                  </a:tcPr>
+                </a:tc>
+                <a:tc>
+                  <a:txBody>
+                    <a:bodyPr/>
+                    <a:lstStyle/>
+                    <a:p>
+                      <a:pPr algn="ctr"/>
+                      <a:r>
+                        <a:rPr lang="en-US" sz="2400" dirty="0">
+                          <a:solidFill>
+                            <a:schemeClr val="bg1"/>
+                          </a:solidFill>
+                        </a:rPr>
+                        <a:t>0.305</a:t>
+                      </a:r>
+                    </a:p>
+                  </a:txBody>
+                  <a:tcPr>
+                    <a:lnL w="12700" cap="flat" cmpd="sng" algn="ctr">
+                      <a:solidFill>
+                        <a:schemeClr val="tx1"/>
+                      </a:solidFill>
+                      <a:prstDash val="solid"/>
+                      <a:round/>
+                      <a:headEnd type="none" w="med" len="med"/>
+                      <a:tailEnd type="none" w="med" len="med"/>
+                    </a:lnL>
+                    <a:lnR w="12700" cap="flat" cmpd="sng" algn="ctr">
+                      <a:solidFill>
+                        <a:schemeClr val="tx1"/>
+                      </a:solidFill>
+                      <a:prstDash val="solid"/>
+                      <a:round/>
+                      <a:headEnd type="none" w="med" len="med"/>
+                      <a:tailEnd type="none" w="med" len="med"/>
+                    </a:lnR>
+                    <a:lnT w="12700" cap="flat" cmpd="sng" algn="ctr">
+                      <a:solidFill>
+                        <a:schemeClr val="tx1"/>
+                      </a:solidFill>
+                      <a:prstDash val="solid"/>
+                      <a:round/>
+                      <a:headEnd type="none" w="med" len="med"/>
+                      <a:tailEnd type="none" w="med" len="med"/>
+                    </a:lnT>
+                    <a:lnB w="12700" cap="flat" cmpd="sng" algn="ctr">
+                      <a:solidFill>
+                        <a:schemeClr val="tx1"/>
+                      </a:solidFill>
+                      <a:prstDash val="solid"/>
+                      <a:round/>
+                      <a:headEnd type="none" w="med" len="med"/>
+                      <a:tailEnd type="none" w="med" len="med"/>
+                    </a:lnB>
+                    <a:solidFill>
+                      <a:schemeClr val="accent5">
+                        <a:lumMod val="75000"/>
+                      </a:schemeClr>
+                    </a:solidFill>
+                  </a:tcPr>
+                </a:tc>
+                <a:tc>
+                  <a:txBody>
+                    <a:bodyPr/>
+                    <a:lstStyle/>
+                    <a:p>
+                      <a:pPr algn="ctr"/>
+                      <a:r>
+                        <a:rPr lang="en-US" sz="2400" dirty="0">
+                          <a:solidFill>
+                            <a:schemeClr val="bg1"/>
+                          </a:solidFill>
+                        </a:rPr>
+                        <a:t>0.299</a:t>
+                      </a:r>
+                    </a:p>
+                  </a:txBody>
+                  <a:tcPr>
+                    <a:lnL w="12700" cap="flat" cmpd="sng" algn="ctr">
+                      <a:solidFill>
+                        <a:schemeClr val="tx1"/>
+                      </a:solidFill>
+                      <a:prstDash val="solid"/>
+                      <a:round/>
+                      <a:headEnd type="none" w="med" len="med"/>
+                      <a:tailEnd type="none" w="med" len="med"/>
+                    </a:lnL>
+                    <a:lnR w="12700" cap="flat" cmpd="sng" algn="ctr">
+                      <a:solidFill>
+                        <a:schemeClr val="tx1"/>
+                      </a:solidFill>
+                      <a:prstDash val="solid"/>
+                      <a:round/>
+                      <a:headEnd type="none" w="med" len="med"/>
+                      <a:tailEnd type="none" w="med" len="med"/>
+                    </a:lnR>
+                    <a:lnT w="12700" cap="flat" cmpd="sng" algn="ctr">
+                      <a:solidFill>
+                        <a:schemeClr val="tx1"/>
+                      </a:solidFill>
+                      <a:prstDash val="solid"/>
+                      <a:round/>
+                      <a:headEnd type="none" w="med" len="med"/>
+                      <a:tailEnd type="none" w="med" len="med"/>
+                    </a:lnT>
+                    <a:lnB w="12700" cap="flat" cmpd="sng" algn="ctr">
+                      <a:solidFill>
+                        <a:schemeClr val="tx1"/>
+                      </a:solidFill>
+                      <a:prstDash val="solid"/>
+                      <a:round/>
+                      <a:headEnd type="none" w="med" len="med"/>
+                      <a:tailEnd type="none" w="med" len="med"/>
+                    </a:lnB>
+                    <a:solidFill>
+                      <a:schemeClr val="accent5">
+                        <a:lumMod val="75000"/>
+                      </a:schemeClr>
+                    </a:solidFill>
+                  </a:tcPr>
+                </a:tc>
+                <a:tc>
+                  <a:txBody>
+                    <a:bodyPr/>
+                    <a:lstStyle/>
+                    <a:p>
+                      <a:pPr algn="ctr"/>
+                      <a:r>
+                        <a:rPr lang="en-US" sz="2400" dirty="0">
+                          <a:solidFill>
+                            <a:schemeClr val="bg1"/>
+                          </a:solidFill>
+                        </a:rPr>
+                        <a:t>0.899</a:t>
+                      </a:r>
+                    </a:p>
+                  </a:txBody>
+                  <a:tcPr>
+                    <a:lnL w="12700" cap="flat" cmpd="sng" algn="ctr">
+                      <a:solidFill>
+                        <a:schemeClr val="tx1"/>
+                      </a:solidFill>
+                      <a:prstDash val="solid"/>
+                      <a:round/>
+                      <a:headEnd type="none" w="med" len="med"/>
+                      <a:tailEnd type="none" w="med" len="med"/>
+                    </a:lnL>
+                    <a:lnR w="12700" cap="flat" cmpd="sng" algn="ctr">
+                      <a:solidFill>
+                        <a:schemeClr val="tx1"/>
+                      </a:solidFill>
+                      <a:prstDash val="solid"/>
+                      <a:round/>
+                      <a:headEnd type="none" w="med" len="med"/>
+                      <a:tailEnd type="none" w="med" len="med"/>
+                    </a:lnR>
+                    <a:lnT w="12700" cap="flat" cmpd="sng" algn="ctr">
+                      <a:solidFill>
+                        <a:schemeClr val="tx1"/>
+                      </a:solidFill>
+                      <a:prstDash val="solid"/>
+                      <a:round/>
+                      <a:headEnd type="none" w="med" len="med"/>
+                      <a:tailEnd type="none" w="med" len="med"/>
+                    </a:lnT>
+                    <a:lnB w="12700" cap="flat" cmpd="sng" algn="ctr">
+                      <a:solidFill>
+                        <a:schemeClr val="tx1"/>
+                      </a:solidFill>
+                      <a:prstDash val="solid"/>
+                      <a:round/>
+                      <a:headEnd type="none" w="med" len="med"/>
+                      <a:tailEnd type="none" w="med" len="med"/>
+                    </a:lnB>
+                    <a:solidFill>
+                      <a:schemeClr val="accent5">
+                        <a:lumMod val="75000"/>
+                      </a:schemeClr>
+                    </a:solidFill>
+                  </a:tcPr>
+                </a:tc>
+                <a:tc>
+                  <a:txBody>
+                    <a:bodyPr/>
+                    <a:lstStyle/>
+                    <a:p>
+                      <a:pPr algn="ctr"/>
+                      <a:r>
+                        <a:rPr lang="en-US" sz="2400" dirty="0">
+                          <a:solidFill>
+                            <a:schemeClr val="bg1"/>
+                          </a:solidFill>
+                        </a:rPr>
+                        <a:t>0.8303</a:t>
+                      </a:r>
+                    </a:p>
+                  </a:txBody>
+                  <a:tcPr>
+                    <a:lnL w="12700" cap="flat" cmpd="sng" algn="ctr">
+                      <a:solidFill>
+                        <a:schemeClr val="tx1"/>
+                      </a:solidFill>
+                      <a:prstDash val="solid"/>
+                      <a:round/>
+                      <a:headEnd type="none" w="med" len="med"/>
+                      <a:tailEnd type="none" w="med" len="med"/>
+                    </a:lnL>
+                    <a:lnR w="12700" cap="flat" cmpd="sng" algn="ctr">
+                      <a:solidFill>
+                        <a:schemeClr val="tx1"/>
+                      </a:solidFill>
+                      <a:prstDash val="solid"/>
+                      <a:round/>
+                      <a:headEnd type="none" w="med" len="med"/>
+                      <a:tailEnd type="none" w="med" len="med"/>
+                    </a:lnR>
+                    <a:lnT w="12700" cap="flat" cmpd="sng" algn="ctr">
+                      <a:solidFill>
+                        <a:schemeClr val="tx1"/>
+                      </a:solidFill>
+                      <a:prstDash val="solid"/>
+                      <a:round/>
+                      <a:headEnd type="none" w="med" len="med"/>
+                      <a:tailEnd type="none" w="med" len="med"/>
+                    </a:lnT>
+                    <a:lnB w="12700" cap="flat" cmpd="sng" algn="ctr">
+                      <a:solidFill>
+                        <a:schemeClr val="tx1"/>
+                      </a:solidFill>
+                      <a:prstDash val="solid"/>
+                      <a:round/>
+                      <a:headEnd type="none" w="med" len="med"/>
+                      <a:tailEnd type="none" w="med" len="med"/>
+                    </a:lnB>
+                    <a:solidFill>
+                      <a:schemeClr val="accent5">
+                        <a:lumMod val="75000"/>
+                      </a:schemeClr>
+                    </a:solidFill>
+                  </a:tcPr>
+                </a:tc>
+                <a:tc>
+                  <a:txBody>
+                    <a:bodyPr/>
+                    <a:lstStyle/>
+                    <a:p>
+                      <a:pPr algn="ctr"/>
+                      <a:r>
+                        <a:rPr lang="en-US" sz="2400" dirty="0">
+                          <a:solidFill>
+                            <a:schemeClr val="bg1"/>
+                          </a:solidFill>
+                        </a:rPr>
+                        <a:t>0.134</a:t>
+                      </a:r>
+                    </a:p>
+                  </a:txBody>
+                  <a:tcPr>
+                    <a:lnL w="12700" cap="flat" cmpd="sng" algn="ctr">
+                      <a:solidFill>
+                        <a:schemeClr val="tx1"/>
+                      </a:solidFill>
+                      <a:prstDash val="solid"/>
+                      <a:round/>
+                      <a:headEnd type="none" w="med" len="med"/>
+                      <a:tailEnd type="none" w="med" len="med"/>
+                    </a:lnL>
+                    <a:lnR w="12700" cap="flat" cmpd="sng" algn="ctr">
+                      <a:solidFill>
+                        <a:schemeClr val="tx1"/>
+                      </a:solidFill>
+                      <a:prstDash val="solid"/>
+                      <a:round/>
+                      <a:headEnd type="none" w="med" len="med"/>
+                      <a:tailEnd type="none" w="med" len="med"/>
+                    </a:lnR>
+                    <a:lnT w="12700" cap="flat" cmpd="sng" algn="ctr">
+                      <a:solidFill>
+                        <a:schemeClr val="tx1"/>
+                      </a:solidFill>
+                      <a:prstDash val="solid"/>
+                      <a:round/>
+                      <a:headEnd type="none" w="med" len="med"/>
+                      <a:tailEnd type="none" w="med" len="med"/>
+                    </a:lnT>
+                    <a:lnB w="12700" cap="flat" cmpd="sng" algn="ctr">
+                      <a:solidFill>
+                        <a:schemeClr val="tx1"/>
+                      </a:solidFill>
+                      <a:prstDash val="solid"/>
+                      <a:round/>
+                      <a:headEnd type="none" w="med" len="med"/>
+                      <a:tailEnd type="none" w="med" len="med"/>
+                    </a:lnB>
+                    <a:solidFill>
+                      <a:schemeClr val="accent5">
+                        <a:lumMod val="75000"/>
+                      </a:schemeClr>
+                    </a:solidFill>
+                  </a:tcPr>
+                </a:tc>
+                <a:tc>
+                  <a:txBody>
+                    <a:bodyPr/>
+                    <a:lstStyle/>
+                    <a:p>
+                      <a:pPr algn="ctr"/>
+                      <a:r>
+                        <a:rPr lang="en-US" sz="2400" dirty="0">
+                          <a:solidFill>
+                            <a:schemeClr val="bg1"/>
+                          </a:solidFill>
+                        </a:rPr>
+                        <a:t>0.9622</a:t>
+                      </a:r>
+                    </a:p>
+                  </a:txBody>
+                  <a:tcPr>
+                    <a:lnL w="12700" cap="flat" cmpd="sng" algn="ctr">
+                      <a:solidFill>
+                        <a:schemeClr val="tx1"/>
+                      </a:solidFill>
+                      <a:prstDash val="solid"/>
+                      <a:round/>
+                      <a:headEnd type="none" w="med" len="med"/>
+                      <a:tailEnd type="none" w="med" len="med"/>
+                    </a:lnL>
+                    <a:lnR w="12700" cap="flat" cmpd="sng" algn="ctr">
+                      <a:solidFill>
+                        <a:schemeClr val="tx1"/>
+                      </a:solidFill>
+                      <a:prstDash val="solid"/>
+                      <a:round/>
+                      <a:headEnd type="none" w="med" len="med"/>
+                      <a:tailEnd type="none" w="med" len="med"/>
+                    </a:lnR>
+                    <a:lnT w="12700" cap="flat" cmpd="sng" algn="ctr">
+                      <a:solidFill>
+                        <a:schemeClr val="tx1"/>
+                      </a:solidFill>
+                      <a:prstDash val="solid"/>
+                      <a:round/>
+                      <a:headEnd type="none" w="med" len="med"/>
+                      <a:tailEnd type="none" w="med" len="med"/>
+                    </a:lnT>
+                    <a:lnB w="12700" cap="flat" cmpd="sng" algn="ctr">
+                      <a:solidFill>
+                        <a:schemeClr val="tx1"/>
+                      </a:solidFill>
+                      <a:prstDash val="solid"/>
+                      <a:round/>
+                      <a:headEnd type="none" w="med" len="med"/>
+                      <a:tailEnd type="none" w="med" len="med"/>
+                    </a:lnB>
+                    <a:solidFill>
+                      <a:schemeClr val="accent5">
+                        <a:lumMod val="75000"/>
+                      </a:schemeClr>
+                    </a:solidFill>
+                  </a:tcPr>
+                </a:tc>
+                <a:extLst>
+                  <a:ext uri="{0D108BD9-81ED-4DB2-BD59-A6C34878D82A}">
+                    <a16:rowId xmlns:a16="http://schemas.microsoft.com/office/drawing/2014/main" val="2591731394"/>
+                  </a:ext>
+                </a:extLst>
+              </a:tr>
+              <a:tr h="658512">
+                <a:tc vMerge="1">
+                  <a:txBody>
+                    <a:bodyPr/>
+                    <a:lstStyle/>
+                    <a:p>
+                      <a:endParaRPr lang="en-US" sz="2400" dirty="0">
+                        <a:solidFill>
+                          <a:schemeClr val="accent6">
+                            <a:lumMod val="40000"/>
+                            <a:lumOff val="60000"/>
+                          </a:schemeClr>
+                        </a:solidFill>
+                      </a:endParaRPr>
+                    </a:p>
+                  </a:txBody>
+                  <a:tcPr>
+                    <a:lnL w="12700" cap="flat" cmpd="sng" algn="ctr">
+                      <a:solidFill>
+                        <a:schemeClr val="tx1"/>
+                      </a:solidFill>
+                      <a:prstDash val="solid"/>
+                      <a:round/>
+                      <a:headEnd type="none" w="med" len="med"/>
+                      <a:tailEnd type="none" w="med" len="med"/>
+                    </a:lnL>
+                    <a:lnR w="12700" cap="flat" cmpd="sng" algn="ctr">
+                      <a:solidFill>
+                        <a:schemeClr val="tx1"/>
+                      </a:solidFill>
+                      <a:prstDash val="solid"/>
+                      <a:round/>
+                      <a:headEnd type="none" w="med" len="med"/>
+                      <a:tailEnd type="none" w="med" len="med"/>
+                    </a:lnR>
+                    <a:lnT w="12700" cap="flat" cmpd="sng" algn="ctr">
+                      <a:solidFill>
+                        <a:schemeClr val="tx1"/>
+                      </a:solidFill>
+                      <a:prstDash val="solid"/>
+                      <a:round/>
+                      <a:headEnd type="none" w="med" len="med"/>
+                      <a:tailEnd type="none" w="med" len="med"/>
+                    </a:lnT>
+                    <a:lnB w="12700" cap="flat" cmpd="sng" algn="ctr">
+                      <a:solidFill>
+                        <a:schemeClr val="tx1"/>
+                      </a:solidFill>
+                      <a:prstDash val="solid"/>
+                      <a:round/>
+                      <a:headEnd type="none" w="med" len="med"/>
+                      <a:tailEnd type="none" w="med" len="med"/>
+                    </a:lnB>
+                    <a:solidFill>
+                      <a:schemeClr val="accent5">
+                        <a:lumMod val="75000"/>
+                      </a:schemeClr>
+                    </a:solidFill>
+                  </a:tcPr>
+                </a:tc>
+                <a:tc>
+                  <a:txBody>
+                    <a:bodyPr/>
+                    <a:lstStyle/>
+                    <a:p>
+                      <a:pPr algn="ctr"/>
+                      <a:r>
+                        <a:rPr lang="en-US" sz="2400" dirty="0">
+                          <a:solidFill>
+                            <a:schemeClr val="bg1"/>
+                          </a:solidFill>
+                        </a:rPr>
+                        <a:t>7 min</a:t>
+                      </a:r>
+                    </a:p>
+                  </a:txBody>
+                  <a:tcPr>
+                    <a:lnL w="12700" cap="flat" cmpd="sng" algn="ctr">
+                      <a:solidFill>
+                        <a:schemeClr val="tx1"/>
+                      </a:solidFill>
+                      <a:prstDash val="solid"/>
+                      <a:round/>
+                      <a:headEnd type="none" w="med" len="med"/>
+                      <a:tailEnd type="none" w="med" len="med"/>
+                    </a:lnL>
+                    <a:lnR w="12700" cap="flat" cmpd="sng" algn="ctr">
+                      <a:solidFill>
+                        <a:schemeClr val="tx1"/>
+                      </a:solidFill>
+                      <a:prstDash val="solid"/>
+                      <a:round/>
+                      <a:headEnd type="none" w="med" len="med"/>
+                      <a:tailEnd type="none" w="med" len="med"/>
+                    </a:lnR>
+                    <a:lnT w="12700" cap="flat" cmpd="sng" algn="ctr">
+                      <a:solidFill>
+                        <a:schemeClr val="tx1"/>
+                      </a:solidFill>
+                      <a:prstDash val="solid"/>
+                      <a:round/>
+                      <a:headEnd type="none" w="med" len="med"/>
+                      <a:tailEnd type="none" w="med" len="med"/>
+                    </a:lnT>
+                    <a:lnB w="12700" cap="flat" cmpd="sng" algn="ctr">
+                      <a:solidFill>
+                        <a:schemeClr val="tx1"/>
+                      </a:solidFill>
+                      <a:prstDash val="solid"/>
+                      <a:round/>
+                      <a:headEnd type="none" w="med" len="med"/>
+                      <a:tailEnd type="none" w="med" len="med"/>
+                    </a:lnB>
+                    <a:solidFill>
+                      <a:schemeClr val="accent5">
+                        <a:lumMod val="75000"/>
+                      </a:schemeClr>
+                    </a:solidFill>
+                  </a:tcPr>
+                </a:tc>
+                <a:tc>
+                  <a:txBody>
+                    <a:bodyPr/>
+                    <a:lstStyle/>
+                    <a:p>
+                      <a:pPr algn="ctr"/>
+                      <a:r>
+                        <a:rPr lang="en-US" sz="2400" dirty="0">
+                          <a:solidFill>
+                            <a:schemeClr val="bg1"/>
+                          </a:solidFill>
+                        </a:rPr>
+                        <a:t>8 min</a:t>
+                      </a:r>
+                    </a:p>
+                  </a:txBody>
+                  <a:tcPr>
+                    <a:lnL w="12700" cap="flat" cmpd="sng" algn="ctr">
+                      <a:solidFill>
+                        <a:schemeClr val="tx1"/>
+                      </a:solidFill>
+                      <a:prstDash val="solid"/>
+                      <a:round/>
+                      <a:headEnd type="none" w="med" len="med"/>
+                      <a:tailEnd type="none" w="med" len="med"/>
+                    </a:lnL>
+                    <a:lnR w="12700" cap="flat" cmpd="sng" algn="ctr">
+                      <a:solidFill>
+                        <a:schemeClr val="tx1"/>
+                      </a:solidFill>
+                      <a:prstDash val="solid"/>
+                      <a:round/>
+                      <a:headEnd type="none" w="med" len="med"/>
+                      <a:tailEnd type="none" w="med" len="med"/>
+                    </a:lnR>
+                    <a:lnT w="12700" cap="flat" cmpd="sng" algn="ctr">
+                      <a:solidFill>
+                        <a:schemeClr val="tx1"/>
+                      </a:solidFill>
+                      <a:prstDash val="solid"/>
+                      <a:round/>
+                      <a:headEnd type="none" w="med" len="med"/>
+                      <a:tailEnd type="none" w="med" len="med"/>
+                    </a:lnT>
+                    <a:lnB w="12700" cap="flat" cmpd="sng" algn="ctr">
+                      <a:solidFill>
+                        <a:schemeClr val="tx1"/>
+                      </a:solidFill>
+                      <a:prstDash val="solid"/>
+                      <a:round/>
+                      <a:headEnd type="none" w="med" len="med"/>
+                      <a:tailEnd type="none" w="med" len="med"/>
+                    </a:lnB>
+                    <a:solidFill>
+                      <a:schemeClr val="accent5">
+                        <a:lumMod val="75000"/>
+                      </a:schemeClr>
+                    </a:solidFill>
+                  </a:tcPr>
+                </a:tc>
+                <a:tc>
+                  <a:txBody>
+                    <a:bodyPr/>
+                    <a:lstStyle/>
+                    <a:p>
+                      <a:pPr algn="ctr"/>
+                      <a:r>
+                        <a:rPr lang="en-US" sz="2400" dirty="0">
+                          <a:solidFill>
+                            <a:schemeClr val="bg1"/>
+                          </a:solidFill>
+                        </a:rPr>
+                        <a:t>8 min</a:t>
+                      </a:r>
+                    </a:p>
+                  </a:txBody>
+                  <a:tcPr>
+                    <a:lnL w="12700" cap="flat" cmpd="sng" algn="ctr">
+                      <a:solidFill>
+                        <a:schemeClr val="tx1"/>
+                      </a:solidFill>
+                      <a:prstDash val="solid"/>
+                      <a:round/>
+                      <a:headEnd type="none" w="med" len="med"/>
+                      <a:tailEnd type="none" w="med" len="med"/>
+                    </a:lnL>
+                    <a:lnR w="12700" cap="flat" cmpd="sng" algn="ctr">
+                      <a:solidFill>
+                        <a:schemeClr val="tx1"/>
+                      </a:solidFill>
+                      <a:prstDash val="solid"/>
+                      <a:round/>
+                      <a:headEnd type="none" w="med" len="med"/>
+                      <a:tailEnd type="none" w="med" len="med"/>
+                    </a:lnR>
+                    <a:lnT w="12700" cap="flat" cmpd="sng" algn="ctr">
+                      <a:solidFill>
+                        <a:schemeClr val="tx1"/>
+                      </a:solidFill>
+                      <a:prstDash val="solid"/>
+                      <a:round/>
+                      <a:headEnd type="none" w="med" len="med"/>
+                      <a:tailEnd type="none" w="med" len="med"/>
+                    </a:lnT>
+                    <a:lnB w="12700" cap="flat" cmpd="sng" algn="ctr">
+                      <a:solidFill>
+                        <a:schemeClr val="tx1"/>
+                      </a:solidFill>
+                      <a:prstDash val="solid"/>
+                      <a:round/>
+                      <a:headEnd type="none" w="med" len="med"/>
+                      <a:tailEnd type="none" w="med" len="med"/>
+                    </a:lnB>
+                    <a:solidFill>
+                      <a:schemeClr val="accent5">
+                        <a:lumMod val="75000"/>
+                      </a:schemeClr>
+                    </a:solidFill>
+                  </a:tcPr>
+                </a:tc>
+                <a:tc>
+                  <a:txBody>
+                    <a:bodyPr/>
+                    <a:lstStyle/>
+                    <a:p>
+                      <a:pPr algn="ctr"/>
+                      <a:r>
+                        <a:rPr lang="en-US" sz="2400" dirty="0">
+                          <a:solidFill>
+                            <a:schemeClr val="bg1"/>
+                          </a:solidFill>
+                        </a:rPr>
+                        <a:t>13 min</a:t>
+                      </a:r>
+                    </a:p>
+                  </a:txBody>
+                  <a:tcPr>
+                    <a:lnL w="12700" cap="flat" cmpd="sng" algn="ctr">
+                      <a:solidFill>
+                        <a:schemeClr val="tx1"/>
+                      </a:solidFill>
+                      <a:prstDash val="solid"/>
+                      <a:round/>
+                      <a:headEnd type="none" w="med" len="med"/>
+                      <a:tailEnd type="none" w="med" len="med"/>
+                    </a:lnL>
+                    <a:lnR w="12700" cap="flat" cmpd="sng" algn="ctr">
+                      <a:solidFill>
+                        <a:schemeClr val="tx1"/>
+                      </a:solidFill>
+                      <a:prstDash val="solid"/>
+                      <a:round/>
+                      <a:headEnd type="none" w="med" len="med"/>
+                      <a:tailEnd type="none" w="med" len="med"/>
+                    </a:lnR>
+                    <a:lnT w="12700" cap="flat" cmpd="sng" algn="ctr">
+                      <a:solidFill>
+                        <a:schemeClr val="tx1"/>
+                      </a:solidFill>
+                      <a:prstDash val="solid"/>
+                      <a:round/>
+                      <a:headEnd type="none" w="med" len="med"/>
+                      <a:tailEnd type="none" w="med" len="med"/>
+                    </a:lnT>
+                    <a:lnB w="12700" cap="flat" cmpd="sng" algn="ctr">
+                      <a:solidFill>
+                        <a:schemeClr val="tx1"/>
+                      </a:solidFill>
+                      <a:prstDash val="solid"/>
+                      <a:round/>
+                      <a:headEnd type="none" w="med" len="med"/>
+                      <a:tailEnd type="none" w="med" len="med"/>
+                    </a:lnB>
+                    <a:solidFill>
+                      <a:schemeClr val="accent5">
+                        <a:lumMod val="75000"/>
+                      </a:schemeClr>
+                    </a:solidFill>
+                  </a:tcPr>
+                </a:tc>
+                <a:tc>
+                  <a:txBody>
+                    <a:bodyPr/>
+                    <a:lstStyle/>
+                    <a:p>
+                      <a:pPr algn="ctr"/>
+                      <a:r>
+                        <a:rPr lang="en-US" sz="2400" dirty="0">
+                          <a:solidFill>
+                            <a:schemeClr val="bg1"/>
+                          </a:solidFill>
+                        </a:rPr>
+                        <a:t>10 min</a:t>
+                      </a:r>
+                    </a:p>
+                  </a:txBody>
+                  <a:tcPr>
+                    <a:lnL w="12700" cap="flat" cmpd="sng" algn="ctr">
+                      <a:solidFill>
+                        <a:schemeClr val="tx1"/>
+                      </a:solidFill>
+                      <a:prstDash val="solid"/>
+                      <a:round/>
+                      <a:headEnd type="none" w="med" len="med"/>
+                      <a:tailEnd type="none" w="med" len="med"/>
+                    </a:lnL>
+                    <a:lnR w="12700" cap="flat" cmpd="sng" algn="ctr">
+                      <a:solidFill>
+                        <a:schemeClr val="tx1"/>
+                      </a:solidFill>
+                      <a:prstDash val="solid"/>
+                      <a:round/>
+                      <a:headEnd type="none" w="med" len="med"/>
+                      <a:tailEnd type="none" w="med" len="med"/>
+                    </a:lnR>
+                    <a:lnT w="12700" cap="flat" cmpd="sng" algn="ctr">
+                      <a:solidFill>
+                        <a:schemeClr val="tx1"/>
+                      </a:solidFill>
+                      <a:prstDash val="solid"/>
+                      <a:round/>
+                      <a:headEnd type="none" w="med" len="med"/>
+                      <a:tailEnd type="none" w="med" len="med"/>
+                    </a:lnT>
+                    <a:lnB w="12700" cap="flat" cmpd="sng" algn="ctr">
+                      <a:solidFill>
+                        <a:schemeClr val="tx1"/>
+                      </a:solidFill>
+                      <a:prstDash val="solid"/>
+                      <a:round/>
+                      <a:headEnd type="none" w="med" len="med"/>
+                      <a:tailEnd type="none" w="med" len="med"/>
+                    </a:lnB>
+                    <a:solidFill>
+                      <a:schemeClr val="accent5">
+                        <a:lumMod val="75000"/>
+                      </a:schemeClr>
+                    </a:solidFill>
+                  </a:tcPr>
+                </a:tc>
+                <a:tc>
+                  <a:txBody>
+                    <a:bodyPr/>
+                    <a:lstStyle/>
+                    <a:p>
+                      <a:pPr algn="ctr"/>
+                      <a:r>
+                        <a:rPr lang="en-US" sz="2400" dirty="0">
+                          <a:solidFill>
+                            <a:schemeClr val="bg1"/>
+                          </a:solidFill>
+                        </a:rPr>
+                        <a:t>14 min</a:t>
+                      </a:r>
+                    </a:p>
+                  </a:txBody>
+                  <a:tcPr>
+                    <a:lnL w="12700" cap="flat" cmpd="sng" algn="ctr">
+                      <a:solidFill>
+                        <a:schemeClr val="tx1"/>
+                      </a:solidFill>
+                      <a:prstDash val="solid"/>
+                      <a:round/>
+                      <a:headEnd type="none" w="med" len="med"/>
+                      <a:tailEnd type="none" w="med" len="med"/>
+                    </a:lnL>
+                    <a:lnR w="12700" cap="flat" cmpd="sng" algn="ctr">
+                      <a:solidFill>
+                        <a:schemeClr val="tx1"/>
+                      </a:solidFill>
+                      <a:prstDash val="solid"/>
+                      <a:round/>
+                      <a:headEnd type="none" w="med" len="med"/>
+                      <a:tailEnd type="none" w="med" len="med"/>
+                    </a:lnR>
+                    <a:lnT w="12700" cap="flat" cmpd="sng" algn="ctr">
+                      <a:solidFill>
+                        <a:schemeClr val="tx1"/>
+                      </a:solidFill>
+                      <a:prstDash val="solid"/>
+                      <a:round/>
+                      <a:headEnd type="none" w="med" len="med"/>
+                      <a:tailEnd type="none" w="med" len="med"/>
+                    </a:lnT>
+                    <a:lnB w="12700" cap="flat" cmpd="sng" algn="ctr">
+                      <a:solidFill>
+                        <a:schemeClr val="tx1"/>
+                      </a:solidFill>
+                      <a:prstDash val="solid"/>
+                      <a:round/>
+                      <a:headEnd type="none" w="med" len="med"/>
+                      <a:tailEnd type="none" w="med" len="med"/>
+                    </a:lnB>
+                    <a:solidFill>
+                      <a:schemeClr val="accent5">
+                        <a:lumMod val="75000"/>
+                      </a:schemeClr>
+                    </a:solidFill>
+                  </a:tcPr>
+                </a:tc>
+                <a:extLst>
+                  <a:ext uri="{0D108BD9-81ED-4DB2-BD59-A6C34878D82A}">
+                    <a16:rowId xmlns:a16="http://schemas.microsoft.com/office/drawing/2014/main" val="1832911001"/>
+                  </a:ext>
+                </a:extLst>
+              </a:tr>
+              <a:tr h="658512">
                 <a:tc rowSpan="2">
                   <a:txBody>
                     <a:bodyPr/>
@@ -16565,6 +17802,126 @@
                           </a:solidFill>
                         </a:rPr>
                         <a:t>Azure ML</a:t>
+                      </a:r>
+                    </a:p>
+                  </a:txBody>
+                  <a:tcPr>
+                    <a:lnL w="12700" cap="flat" cmpd="sng" algn="ctr">
+                      <a:solidFill>
+                        <a:schemeClr val="tx1"/>
+                      </a:solidFill>
+                      <a:prstDash val="solid"/>
+                      <a:round/>
+                      <a:headEnd type="none" w="med" len="med"/>
+                      <a:tailEnd type="none" w="med" len="med"/>
+                    </a:lnL>
+                    <a:lnR w="12700" cap="flat" cmpd="sng" algn="ctr">
+                      <a:solidFill>
+                        <a:schemeClr val="tx1"/>
+                      </a:solidFill>
+                      <a:prstDash val="solid"/>
+                      <a:round/>
+                      <a:headEnd type="none" w="med" len="med"/>
+                      <a:tailEnd type="none" w="med" len="med"/>
+                    </a:lnR>
+                    <a:lnT w="12700" cap="flat" cmpd="sng" algn="ctr">
+                      <a:solidFill>
+                        <a:schemeClr val="tx1"/>
+                      </a:solidFill>
+                      <a:prstDash val="solid"/>
+                      <a:round/>
+                      <a:headEnd type="none" w="med" len="med"/>
+                      <a:tailEnd type="none" w="med" len="med"/>
+                    </a:lnT>
+                    <a:lnB w="12700" cap="flat" cmpd="sng" algn="ctr">
+                      <a:solidFill>
+                        <a:schemeClr val="tx1"/>
+                      </a:solidFill>
+                      <a:prstDash val="solid"/>
+                      <a:round/>
+                      <a:headEnd type="none" w="med" len="med"/>
+                      <a:tailEnd type="none" w="med" len="med"/>
+                    </a:lnB>
+                    <a:solidFill>
+                      <a:schemeClr val="accent5">
+                        <a:lumMod val="75000"/>
+                      </a:schemeClr>
+                    </a:solidFill>
+                  </a:tcPr>
+                </a:tc>
+                <a:tc>
+                  <a:txBody>
+                    <a:bodyPr/>
+                    <a:lstStyle/>
+                    <a:p>
+                      <a:pPr algn="ctr"/>
+                      <a:r>
+                        <a:rPr lang="en-US" sz="2400" dirty="0">
+                          <a:solidFill>
+                            <a:schemeClr val="bg1"/>
+                          </a:solidFill>
+                        </a:rPr>
+                        <a:t>0.479</a:t>
+                      </a:r>
+                    </a:p>
+                  </a:txBody>
+                  <a:tcPr>
+                    <a:lnL w="12700" cap="flat" cmpd="sng" algn="ctr">
+                      <a:solidFill>
+                        <a:schemeClr val="tx1"/>
+                      </a:solidFill>
+                      <a:prstDash val="solid"/>
+                      <a:round/>
+                      <a:headEnd type="none" w="med" len="med"/>
+                      <a:tailEnd type="none" w="med" len="med"/>
+                    </a:lnL>
+                    <a:lnR w="12700" cap="flat" cmpd="sng" algn="ctr">
+                      <a:solidFill>
+                        <a:schemeClr val="tx1"/>
+                      </a:solidFill>
+                      <a:prstDash val="solid"/>
+                      <a:round/>
+                      <a:headEnd type="none" w="med" len="med"/>
+                      <a:tailEnd type="none" w="med" len="med"/>
+                    </a:lnR>
+                    <a:lnT w="12700" cap="flat" cmpd="sng" algn="ctr">
+                      <a:solidFill>
+                        <a:schemeClr val="tx1"/>
+                      </a:solidFill>
+                      <a:prstDash val="solid"/>
+                      <a:round/>
+                      <a:headEnd type="none" w="med" len="med"/>
+                      <a:tailEnd type="none" w="med" len="med"/>
+                    </a:lnT>
+                    <a:lnB w="12700" cap="flat" cmpd="sng" algn="ctr">
+                      <a:solidFill>
+                        <a:schemeClr val="tx1"/>
+                      </a:solidFill>
+                      <a:prstDash val="solid"/>
+                      <a:round/>
+                      <a:headEnd type="none" w="med" len="med"/>
+                      <a:tailEnd type="none" w="med" len="med"/>
+                    </a:lnB>
+                    <a:solidFill>
+                      <a:schemeClr val="accent5">
+                        <a:lumMod val="75000"/>
+                      </a:schemeClr>
+                    </a:solidFill>
+                  </a:tcPr>
+                </a:tc>
+                <a:tc>
+                  <a:txBody>
+                    <a:bodyPr/>
+                    <a:lstStyle/>
+                    <a:p>
+                      <a:pPr algn="ctr"/>
+                      <a:r>
+                        <a:rPr lang="en-US" sz="2400" dirty="0">
+                          <a:solidFill>
+                            <a:schemeClr val="bg1"/>
+                          </a:solidFill>
+                        </a:rPr>
+                        <a:t>-</a:t>
                       </a:r>
                     </a:p>
                   </a:txBody>
@@ -16858,7 +18215,7 @@
                   </a:ext>
                 </a:extLst>
               </a:tr>
-              <a:tr h="705124">
+              <a:tr h="478875">
                 <a:tc vMerge="1">
                   <a:txBody>
                     <a:bodyPr/>
@@ -16869,6 +18226,126 @@
                           <a:schemeClr val="bg1"/>
                         </a:solidFill>
                       </a:endParaRPr>
+                    </a:p>
+                  </a:txBody>
+                  <a:tcPr>
+                    <a:lnL w="12700" cap="flat" cmpd="sng" algn="ctr">
+                      <a:solidFill>
+                        <a:schemeClr val="tx1"/>
+                      </a:solidFill>
+                      <a:prstDash val="solid"/>
+                      <a:round/>
+                      <a:headEnd type="none" w="med" len="med"/>
+                      <a:tailEnd type="none" w="med" len="med"/>
+                    </a:lnL>
+                    <a:lnR w="12700" cap="flat" cmpd="sng" algn="ctr">
+                      <a:solidFill>
+                        <a:schemeClr val="tx1"/>
+                      </a:solidFill>
+                      <a:prstDash val="solid"/>
+                      <a:round/>
+                      <a:headEnd type="none" w="med" len="med"/>
+                      <a:tailEnd type="none" w="med" len="med"/>
+                    </a:lnR>
+                    <a:lnT w="12700" cap="flat" cmpd="sng" algn="ctr">
+                      <a:solidFill>
+                        <a:schemeClr val="tx1"/>
+                      </a:solidFill>
+                      <a:prstDash val="solid"/>
+                      <a:round/>
+                      <a:headEnd type="none" w="med" len="med"/>
+                      <a:tailEnd type="none" w="med" len="med"/>
+                    </a:lnT>
+                    <a:lnB w="12700" cap="flat" cmpd="sng" algn="ctr">
+                      <a:solidFill>
+                        <a:schemeClr val="tx1"/>
+                      </a:solidFill>
+                      <a:prstDash val="solid"/>
+                      <a:round/>
+                      <a:headEnd type="none" w="med" len="med"/>
+                      <a:tailEnd type="none" w="med" len="med"/>
+                    </a:lnB>
+                    <a:solidFill>
+                      <a:schemeClr val="accent5">
+                        <a:lumMod val="75000"/>
+                      </a:schemeClr>
+                    </a:solidFill>
+                  </a:tcPr>
+                </a:tc>
+                <a:tc>
+                  <a:txBody>
+                    <a:bodyPr/>
+                    <a:lstStyle/>
+                    <a:p>
+                      <a:pPr algn="ctr"/>
+                      <a:r>
+                        <a:rPr lang="en-US" sz="2400" dirty="0">
+                          <a:solidFill>
+                            <a:schemeClr val="bg1"/>
+                          </a:solidFill>
+                        </a:rPr>
+                        <a:t>1.5 min</a:t>
+                      </a:r>
+                    </a:p>
+                  </a:txBody>
+                  <a:tcPr>
+                    <a:lnL w="12700" cap="flat" cmpd="sng" algn="ctr">
+                      <a:solidFill>
+                        <a:schemeClr val="tx1"/>
+                      </a:solidFill>
+                      <a:prstDash val="solid"/>
+                      <a:round/>
+                      <a:headEnd type="none" w="med" len="med"/>
+                      <a:tailEnd type="none" w="med" len="med"/>
+                    </a:lnL>
+                    <a:lnR w="12700" cap="flat" cmpd="sng" algn="ctr">
+                      <a:solidFill>
+                        <a:schemeClr val="tx1"/>
+                      </a:solidFill>
+                      <a:prstDash val="solid"/>
+                      <a:round/>
+                      <a:headEnd type="none" w="med" len="med"/>
+                      <a:tailEnd type="none" w="med" len="med"/>
+                    </a:lnR>
+                    <a:lnT w="12700" cap="flat" cmpd="sng" algn="ctr">
+                      <a:solidFill>
+                        <a:schemeClr val="tx1"/>
+                      </a:solidFill>
+                      <a:prstDash val="solid"/>
+                      <a:round/>
+                      <a:headEnd type="none" w="med" len="med"/>
+                      <a:tailEnd type="none" w="med" len="med"/>
+                    </a:lnT>
+                    <a:lnB w="12700" cap="flat" cmpd="sng" algn="ctr">
+                      <a:solidFill>
+                        <a:schemeClr val="tx1"/>
+                      </a:solidFill>
+                      <a:prstDash val="solid"/>
+                      <a:round/>
+                      <a:headEnd type="none" w="med" len="med"/>
+                      <a:tailEnd type="none" w="med" len="med"/>
+                    </a:lnB>
+                    <a:solidFill>
+                      <a:schemeClr val="accent5">
+                        <a:lumMod val="75000"/>
+                      </a:schemeClr>
+                    </a:solidFill>
+                  </a:tcPr>
+                </a:tc>
+                <a:tc>
+                  <a:txBody>
+                    <a:bodyPr/>
+                    <a:lstStyle/>
+                    <a:p>
+                      <a:pPr algn="ctr"/>
+                      <a:r>
+                        <a:rPr lang="en-US" sz="2400" dirty="0">
+                          <a:solidFill>
+                            <a:schemeClr val="bg1"/>
+                          </a:solidFill>
+                        </a:rPr>
+                        <a:t>-</a:t>
+                      </a:r>
                     </a:p>
                   </a:txBody>
                   <a:tcPr>
@@ -17102,20 +18579,12 @@
                     <a:p>
                       <a:pPr algn="ctr"/>
                       <a:r>
-                        <a:rPr lang="en-US" sz="2400">
-                          <a:solidFill>
-                            <a:schemeClr val="bg1"/>
-                          </a:solidFill>
-                        </a:rPr>
-                        <a:t>7 </a:t>
-                      </a:r>
-                      <a:r>
                         <a:rPr lang="en-US" sz="2400" dirty="0">
                           <a:solidFill>
                             <a:schemeClr val="bg1"/>
                           </a:solidFill>
                         </a:rPr>
-                        <a:t>min</a:t>
+                        <a:t>17 min</a:t>
                       </a:r>
                     </a:p>
                   </a:txBody>

--- a/CIS5560.pptx
+++ b/CIS5560.pptx
@@ -19500,7 +19500,23 @@
                   <a:schemeClr val="bg1"/>
                 </a:solidFill>
               </a:rPr>
-              <a:t>https://gallery.cortanaintelligence.com/Experiment/CIS5560Final</a:t>
+              <a:t>https://</a:t>
+            </a:r>
+            <a:r>
+              <a:rPr lang="en-US" dirty="0" err="1">
+                <a:solidFill>
+                  <a:schemeClr val="bg1"/>
+                </a:solidFill>
+              </a:rPr>
+              <a:t>gallery.cortanaintelligence.com</a:t>
+            </a:r>
+            <a:r>
+              <a:rPr lang="en-US">
+                <a:solidFill>
+                  <a:schemeClr val="bg1"/>
+                </a:solidFill>
+              </a:rPr>
+              <a:t>/Experiment/CIS5560-Final</a:t>
             </a:r>
             <a:br>
               <a:rPr lang="en-US" dirty="0">
